--- a/项目级敏捷过程框架.pptx
+++ b/项目级敏捷过程框架.pptx
@@ -7,8 +7,9 @@
   <p:sldIdLst>
     <p:sldId id="256" r:id="rId3"/>
     <p:sldId id="257" r:id="rId4"/>
-    <p:sldId id="258" r:id="rId5"/>
-    <p:sldId id="259" r:id="rId6"/>
+    <p:sldId id="260" r:id="rId5"/>
+    <p:sldId id="258" r:id="rId6"/>
+    <p:sldId id="259" r:id="rId7"/>
   </p:sldIdLst>
   <p:sldSz cx="12192000" cy="6858000"/>
   <p:notesSz cx="7103745" cy="10234295"/>
@@ -2625,13 +2626,13 @@
       <p:grpSpPr/>
       <p:sp>
         <p:nvSpPr>
-          <p:cNvPr id="78" name="流程图: 准备 77"/>
+          <p:cNvPr id="37" name="流程图: 准备 36"/>
           <p:cNvSpPr/>
           <p:nvPr/>
         </p:nvSpPr>
         <p:spPr>
           <a:xfrm>
-            <a:off x="4980940" y="4114800"/>
+            <a:off x="4980940" y="4743450"/>
             <a:ext cx="1061720" cy="335280"/>
           </a:xfrm>
           <a:prstGeom prst="flowChartPreparation">
@@ -2671,13 +2672,13 @@
       </p:sp>
       <p:sp>
         <p:nvSpPr>
-          <p:cNvPr id="8" name="流程图: 准备 7"/>
+          <p:cNvPr id="104" name="流程图: 准备 103"/>
           <p:cNvSpPr/>
           <p:nvPr/>
         </p:nvSpPr>
         <p:spPr>
           <a:xfrm>
-            <a:off x="5880100" y="4767580"/>
+            <a:off x="5880100" y="5396230"/>
             <a:ext cx="1061720" cy="335280"/>
           </a:xfrm>
           <a:prstGeom prst="flowChartPreparation">
@@ -2717,13 +2718,13 @@
       </p:sp>
       <p:sp>
         <p:nvSpPr>
-          <p:cNvPr id="79" name="文本框 78"/>
+          <p:cNvPr id="135" name="文本框 134"/>
           <p:cNvSpPr txBox="1"/>
           <p:nvPr/>
         </p:nvSpPr>
         <p:spPr>
           <a:xfrm>
-            <a:off x="4995545" y="4098925"/>
+            <a:off x="4995545" y="4727575"/>
             <a:ext cx="974090" cy="337185"/>
           </a:xfrm>
           <a:prstGeom prst="rect">
@@ -2751,106 +2752,13 @@
       </p:sp>
       <p:sp>
         <p:nvSpPr>
-          <p:cNvPr id="104" name="文本框 103"/>
+          <p:cNvPr id="156" name="文本框 155"/>
           <p:cNvSpPr txBox="1"/>
           <p:nvPr/>
         </p:nvSpPr>
         <p:spPr>
           <a:xfrm>
-            <a:off x="494030" y="292100"/>
-            <a:ext cx="11204575" cy="6185535"/>
-          </a:xfrm>
-          <a:prstGeom prst="rect">
-            <a:avLst/>
-          </a:prstGeom>
-          <a:noFill/>
-          <a:ln>
-            <a:solidFill>
-              <a:srgbClr val="0070C0"/>
-            </a:solidFill>
-          </a:ln>
-        </p:spPr>
-        <p:txBody>
-          <a:bodyPr wrap="square" rtlCol="0">
-            <a:spAutoFit/>
-          </a:bodyPr>
-          <a:p>
-            <a:endParaRPr lang="en-US" altLang="zh-CN"/>
-          </a:p>
-          <a:p>
-            <a:endParaRPr lang="en-US" altLang="zh-CN"/>
-          </a:p>
-          <a:p>
-            <a:endParaRPr lang="en-US" altLang="zh-CN"/>
-          </a:p>
-          <a:p>
-            <a:endParaRPr lang="en-US" altLang="zh-CN"/>
-          </a:p>
-          <a:p>
-            <a:endParaRPr lang="en-US" altLang="zh-CN"/>
-          </a:p>
-          <a:p>
-            <a:endParaRPr lang="en-US" altLang="zh-CN"/>
-          </a:p>
-          <a:p>
-            <a:endParaRPr lang="en-US" altLang="zh-CN"/>
-          </a:p>
-          <a:p>
-            <a:endParaRPr lang="en-US" altLang="zh-CN"/>
-          </a:p>
-          <a:p>
-            <a:endParaRPr lang="en-US" altLang="zh-CN"/>
-          </a:p>
-          <a:p>
-            <a:endParaRPr lang="en-US" altLang="zh-CN"/>
-          </a:p>
-          <a:p>
-            <a:endParaRPr lang="en-US" altLang="zh-CN"/>
-          </a:p>
-          <a:p>
-            <a:endParaRPr lang="en-US" altLang="zh-CN"/>
-          </a:p>
-          <a:p>
-            <a:endParaRPr lang="en-US" altLang="zh-CN"/>
-          </a:p>
-          <a:p>
-            <a:endParaRPr lang="en-US" altLang="zh-CN"/>
-          </a:p>
-          <a:p>
-            <a:endParaRPr lang="en-US" altLang="zh-CN"/>
-          </a:p>
-          <a:p>
-            <a:endParaRPr lang="en-US" altLang="zh-CN"/>
-          </a:p>
-          <a:p>
-            <a:endParaRPr lang="en-US" altLang="zh-CN"/>
-          </a:p>
-          <a:p>
-            <a:endParaRPr lang="en-US" altLang="zh-CN"/>
-          </a:p>
-          <a:p>
-            <a:endParaRPr lang="en-US" altLang="zh-CN"/>
-          </a:p>
-          <a:p>
-            <a:endParaRPr lang="en-US" altLang="zh-CN"/>
-          </a:p>
-          <a:p>
-            <a:endParaRPr lang="en-US" altLang="zh-CN"/>
-          </a:p>
-          <a:p>
-            <a:endParaRPr lang="en-US" altLang="zh-CN"/>
-          </a:p>
-        </p:txBody>
-      </p:sp>
-      <p:sp>
-        <p:nvSpPr>
-          <p:cNvPr id="36" name="文本框 35"/>
-          <p:cNvSpPr txBox="1"/>
-          <p:nvPr/>
-        </p:nvSpPr>
-        <p:spPr>
-          <a:xfrm>
-            <a:off x="1503045" y="1268730"/>
+            <a:off x="1503045" y="1897380"/>
             <a:ext cx="288290" cy="5077460"/>
           </a:xfrm>
           <a:prstGeom prst="rect">
@@ -3174,13 +3082,13 @@
       </p:sp>
       <p:sp>
         <p:nvSpPr>
-          <p:cNvPr id="7" name="梯形 6"/>
+          <p:cNvPr id="157" name="梯形 156"/>
           <p:cNvSpPr/>
           <p:nvPr/>
         </p:nvSpPr>
         <p:spPr>
           <a:xfrm rot="5400000">
-            <a:off x="873125" y="991870"/>
+            <a:off x="873125" y="1620520"/>
             <a:ext cx="914400" cy="675005"/>
           </a:xfrm>
           <a:prstGeom prst="trapezoid">
@@ -3213,13 +3121,13 @@
       </p:sp>
       <p:sp>
         <p:nvSpPr>
-          <p:cNvPr id="2" name="梯形 1"/>
+          <p:cNvPr id="158" name="梯形 157"/>
           <p:cNvSpPr/>
           <p:nvPr/>
         </p:nvSpPr>
         <p:spPr>
           <a:xfrm rot="5400000">
-            <a:off x="2140585" y="535305"/>
+            <a:off x="2140585" y="1163955"/>
             <a:ext cx="600075" cy="1602740"/>
           </a:xfrm>
           <a:prstGeom prst="trapezoid">
@@ -3257,13 +3165,13 @@
       </p:sp>
       <p:sp>
         <p:nvSpPr>
-          <p:cNvPr id="3" name="矩形 2"/>
+          <p:cNvPr id="159" name="矩形 158"/>
           <p:cNvSpPr/>
           <p:nvPr/>
         </p:nvSpPr>
         <p:spPr>
           <a:xfrm>
-            <a:off x="3242310" y="1216660"/>
+            <a:off x="3242310" y="1845310"/>
             <a:ext cx="5141595" cy="227330"/>
           </a:xfrm>
           <a:prstGeom prst="rect">
@@ -3299,13 +3207,13 @@
       </p:sp>
       <p:sp>
         <p:nvSpPr>
-          <p:cNvPr id="4" name="矩形 3"/>
+          <p:cNvPr id="160" name="矩形 159"/>
           <p:cNvSpPr/>
           <p:nvPr/>
         </p:nvSpPr>
         <p:spPr>
           <a:xfrm>
-            <a:off x="8383905" y="1216660"/>
+            <a:off x="8383905" y="1845310"/>
             <a:ext cx="654685" cy="226695"/>
           </a:xfrm>
           <a:prstGeom prst="rect">
@@ -3341,13 +3249,13 @@
       </p:sp>
       <p:sp>
         <p:nvSpPr>
-          <p:cNvPr id="5" name="矩形 4"/>
+          <p:cNvPr id="161" name="矩形 160"/>
           <p:cNvSpPr/>
           <p:nvPr/>
         </p:nvSpPr>
         <p:spPr>
           <a:xfrm>
-            <a:off x="9038590" y="1214755"/>
+            <a:off x="9038590" y="1843405"/>
             <a:ext cx="654685" cy="226695"/>
           </a:xfrm>
           <a:prstGeom prst="rect">
@@ -3383,13 +3291,13 @@
       </p:sp>
       <p:sp>
         <p:nvSpPr>
-          <p:cNvPr id="6" name="矩形 5"/>
+          <p:cNvPr id="162" name="矩形 161"/>
           <p:cNvSpPr/>
           <p:nvPr/>
         </p:nvSpPr>
         <p:spPr>
           <a:xfrm>
-            <a:off x="9693275" y="1216660"/>
+            <a:off x="9693275" y="1845310"/>
             <a:ext cx="1044575" cy="227330"/>
           </a:xfrm>
           <a:prstGeom prst="rect">
@@ -3433,13 +3341,13 @@
       </p:sp>
       <p:sp>
         <p:nvSpPr>
-          <p:cNvPr id="9" name="流程图: 合并 8"/>
+          <p:cNvPr id="164" name="流程图: 合并 163"/>
           <p:cNvSpPr/>
           <p:nvPr/>
         </p:nvSpPr>
         <p:spPr>
           <a:xfrm>
-            <a:off x="911225" y="617220"/>
+            <a:off x="911225" y="1245870"/>
             <a:ext cx="161290" cy="254000"/>
           </a:xfrm>
           <a:prstGeom prst="flowChartMerge">
@@ -3475,13 +3383,13 @@
       </p:sp>
       <p:sp>
         <p:nvSpPr>
-          <p:cNvPr id="10" name="文本框 9"/>
+          <p:cNvPr id="165" name="文本框 164"/>
           <p:cNvSpPr txBox="1"/>
           <p:nvPr/>
         </p:nvSpPr>
         <p:spPr>
           <a:xfrm>
-            <a:off x="563880" y="334645"/>
+            <a:off x="563880" y="963295"/>
             <a:ext cx="882015" cy="368300"/>
           </a:xfrm>
           <a:prstGeom prst="rect">
@@ -3495,26 +3403,30 @@
           </a:bodyPr>
           <a:p>
             <a:r>
-              <a:rPr lang="en-US" altLang="zh-CN"/>
-              <a:t>C</a:t>
-            </a:r>
-            <a:r>
-              <a:rPr lang="en-US" altLang="zh-CN"/>
-              <a:t>harter</a:t>
-            </a:r>
-            <a:endParaRPr lang="en-US" altLang="zh-CN"/>
-          </a:p>
-        </p:txBody>
-      </p:sp>
-      <p:sp>
-        <p:nvSpPr>
-          <p:cNvPr id="11" name="流程图: 合并 10"/>
+              <a:rPr lang="en-US" altLang="zh-CN">
+                <a:solidFill>
+                  <a:schemeClr val="bg1"/>
+                </a:solidFill>
+              </a:rPr>
+              <a:t>Charter</a:t>
+            </a:r>
+            <a:endParaRPr lang="en-US" altLang="zh-CN">
+              <a:solidFill>
+                <a:schemeClr val="bg1"/>
+              </a:solidFill>
+            </a:endParaRPr>
+          </a:p>
+        </p:txBody>
+      </p:sp>
+      <p:sp>
+        <p:nvSpPr>
+          <p:cNvPr id="166" name="流程图: 合并 165"/>
           <p:cNvSpPr/>
           <p:nvPr/>
         </p:nvSpPr>
         <p:spPr>
           <a:xfrm>
-            <a:off x="1566545" y="842645"/>
+            <a:off x="1566545" y="1471295"/>
             <a:ext cx="161290" cy="254000"/>
           </a:xfrm>
           <a:prstGeom prst="flowChartMerge">
@@ -3550,13 +3462,13 @@
       </p:sp>
       <p:sp>
         <p:nvSpPr>
-          <p:cNvPr id="12" name="文本框 11"/>
+          <p:cNvPr id="167" name="文本框 166"/>
           <p:cNvSpPr txBox="1"/>
           <p:nvPr/>
         </p:nvSpPr>
         <p:spPr>
           <a:xfrm>
-            <a:off x="1276350" y="560070"/>
+            <a:off x="1276350" y="1188720"/>
             <a:ext cx="693420" cy="368300"/>
           </a:xfrm>
           <a:prstGeom prst="rect">
@@ -3570,22 +3482,30 @@
           </a:bodyPr>
           <a:p>
             <a:r>
-              <a:rPr lang="en-US" altLang="zh-CN"/>
+              <a:rPr lang="en-US" altLang="zh-CN">
+                <a:solidFill>
+                  <a:schemeClr val="bg1"/>
+                </a:solidFill>
+              </a:rPr>
               <a:t>COCP</a:t>
             </a:r>
-            <a:endParaRPr lang="en-US" altLang="zh-CN"/>
-          </a:p>
-        </p:txBody>
-      </p:sp>
-      <p:sp>
-        <p:nvSpPr>
-          <p:cNvPr id="13" name="文本框 12"/>
+            <a:endParaRPr lang="en-US" altLang="zh-CN">
+              <a:solidFill>
+                <a:schemeClr val="bg1"/>
+              </a:solidFill>
+            </a:endParaRPr>
+          </a:p>
+        </p:txBody>
+      </p:sp>
+      <p:sp>
+        <p:nvSpPr>
+          <p:cNvPr id="168" name="文本框 167"/>
           <p:cNvSpPr txBox="1"/>
           <p:nvPr/>
         </p:nvSpPr>
         <p:spPr>
           <a:xfrm>
-            <a:off x="1027430" y="1146810"/>
+            <a:off x="1027430" y="1775460"/>
             <a:ext cx="675005" cy="368300"/>
           </a:xfrm>
           <a:prstGeom prst="rect">
@@ -3608,13 +3528,13 @@
       </p:sp>
       <p:sp>
         <p:nvSpPr>
-          <p:cNvPr id="14" name="文本框 13"/>
+          <p:cNvPr id="169" name="文本框 168"/>
           <p:cNvSpPr txBox="1"/>
           <p:nvPr/>
         </p:nvSpPr>
         <p:spPr>
           <a:xfrm>
-            <a:off x="2208530" y="1146810"/>
+            <a:off x="2208530" y="1775460"/>
             <a:ext cx="640080" cy="368300"/>
           </a:xfrm>
           <a:prstGeom prst="rect">
@@ -3637,13 +3557,13 @@
       </p:sp>
       <p:sp>
         <p:nvSpPr>
-          <p:cNvPr id="15" name="文本框 14"/>
+          <p:cNvPr id="170" name="文本框 169"/>
           <p:cNvSpPr txBox="1"/>
           <p:nvPr/>
         </p:nvSpPr>
         <p:spPr>
           <a:xfrm>
-            <a:off x="5775960" y="1171575"/>
+            <a:off x="5775960" y="1800225"/>
             <a:ext cx="640080" cy="368300"/>
           </a:xfrm>
           <a:prstGeom prst="rect">
@@ -3666,13 +3586,13 @@
       </p:sp>
       <p:sp>
         <p:nvSpPr>
-          <p:cNvPr id="16" name="文本框 15"/>
+          <p:cNvPr id="171" name="文本框 170"/>
           <p:cNvSpPr txBox="1"/>
           <p:nvPr/>
         </p:nvSpPr>
         <p:spPr>
           <a:xfrm>
-            <a:off x="9053195" y="1158240"/>
+            <a:off x="9053195" y="1786890"/>
             <a:ext cx="640080" cy="368300"/>
           </a:xfrm>
           <a:prstGeom prst="rect">
@@ -3695,13 +3615,13 @@
       </p:sp>
       <p:sp>
         <p:nvSpPr>
-          <p:cNvPr id="17" name="文本框 16"/>
+          <p:cNvPr id="172" name="文本框 171"/>
           <p:cNvSpPr txBox="1"/>
           <p:nvPr/>
         </p:nvSpPr>
         <p:spPr>
           <a:xfrm>
-            <a:off x="8383905" y="1160780"/>
+            <a:off x="8383905" y="1789430"/>
             <a:ext cx="640080" cy="368300"/>
           </a:xfrm>
           <a:prstGeom prst="rect">
@@ -3724,13 +3644,13 @@
       </p:sp>
       <p:sp>
         <p:nvSpPr>
-          <p:cNvPr id="18" name="文本框 17"/>
+          <p:cNvPr id="173" name="文本框 172"/>
           <p:cNvSpPr txBox="1"/>
           <p:nvPr/>
         </p:nvSpPr>
         <p:spPr>
           <a:xfrm>
-            <a:off x="9693275" y="1146810"/>
+            <a:off x="9693275" y="1775460"/>
             <a:ext cx="1097280" cy="368300"/>
           </a:xfrm>
           <a:prstGeom prst="rect">
@@ -3753,13 +3673,13 @@
       </p:sp>
       <p:sp>
         <p:nvSpPr>
-          <p:cNvPr id="19" name="流程图: 合并 18"/>
+          <p:cNvPr id="174" name="流程图: 合并 173"/>
           <p:cNvSpPr/>
           <p:nvPr/>
         </p:nvSpPr>
         <p:spPr>
           <a:xfrm>
-            <a:off x="3159125" y="951230"/>
+            <a:off x="3159125" y="1579880"/>
             <a:ext cx="161290" cy="254000"/>
           </a:xfrm>
           <a:prstGeom prst="flowChartMerge">
@@ -3795,13 +3715,13 @@
       </p:sp>
       <p:sp>
         <p:nvSpPr>
-          <p:cNvPr id="20" name="文本框 19"/>
+          <p:cNvPr id="175" name="文本框 174"/>
           <p:cNvSpPr txBox="1"/>
           <p:nvPr/>
         </p:nvSpPr>
         <p:spPr>
           <a:xfrm>
-            <a:off x="2881630" y="668655"/>
+            <a:off x="2881630" y="1297305"/>
             <a:ext cx="681355" cy="368300"/>
           </a:xfrm>
           <a:prstGeom prst="rect">
@@ -3815,22 +3735,30 @@
           </a:bodyPr>
           <a:p>
             <a:r>
-              <a:rPr lang="en-US" altLang="zh-CN"/>
+              <a:rPr lang="en-US" altLang="zh-CN">
+                <a:solidFill>
+                  <a:schemeClr val="bg1"/>
+                </a:solidFill>
+              </a:rPr>
               <a:t>PDCP</a:t>
             </a:r>
-            <a:endParaRPr lang="en-US" altLang="zh-CN"/>
-          </a:p>
-        </p:txBody>
-      </p:sp>
-      <p:sp>
-        <p:nvSpPr>
-          <p:cNvPr id="21" name="流程图: 合并 20"/>
+            <a:endParaRPr lang="en-US" altLang="zh-CN">
+              <a:solidFill>
+                <a:schemeClr val="bg1"/>
+              </a:solidFill>
+            </a:endParaRPr>
+          </a:p>
+        </p:txBody>
+      </p:sp>
+      <p:sp>
+        <p:nvSpPr>
+          <p:cNvPr id="176" name="流程图: 合并 175"/>
           <p:cNvSpPr/>
           <p:nvPr/>
         </p:nvSpPr>
         <p:spPr>
           <a:xfrm rot="10800000">
-            <a:off x="1576070" y="1565275"/>
+            <a:off x="1576070" y="2193925"/>
             <a:ext cx="161290" cy="254000"/>
           </a:xfrm>
           <a:prstGeom prst="flowChartMerge">
@@ -3874,13 +3802,13 @@
       </p:sp>
       <p:sp>
         <p:nvSpPr>
-          <p:cNvPr id="22" name="文本框 21"/>
+          <p:cNvPr id="177" name="文本框 176"/>
           <p:cNvSpPr txBox="1"/>
           <p:nvPr/>
         </p:nvSpPr>
         <p:spPr>
           <a:xfrm>
-            <a:off x="1390015" y="1725295"/>
+            <a:off x="1390015" y="2353945"/>
             <a:ext cx="533400" cy="368300"/>
           </a:xfrm>
           <a:prstGeom prst="rect">
@@ -3894,22 +3822,30 @@
           </a:bodyPr>
           <a:p>
             <a:r>
-              <a:rPr lang="en-US" altLang="zh-CN"/>
+              <a:rPr lang="en-US" altLang="zh-CN">
+                <a:solidFill>
+                  <a:schemeClr val="bg1"/>
+                </a:solidFill>
+              </a:rPr>
               <a:t>TR1</a:t>
             </a:r>
-            <a:endParaRPr lang="en-US" altLang="zh-CN"/>
-          </a:p>
-        </p:txBody>
-      </p:sp>
-      <p:sp>
-        <p:nvSpPr>
-          <p:cNvPr id="23" name="流程图: 合并 22"/>
+            <a:endParaRPr lang="en-US" altLang="zh-CN">
+              <a:solidFill>
+                <a:schemeClr val="bg1"/>
+              </a:solidFill>
+            </a:endParaRPr>
+          </a:p>
+        </p:txBody>
+      </p:sp>
+      <p:sp>
+        <p:nvSpPr>
+          <p:cNvPr id="178" name="流程图: 合并 177"/>
           <p:cNvSpPr/>
           <p:nvPr/>
         </p:nvSpPr>
         <p:spPr>
           <a:xfrm rot="10800000">
-            <a:off x="3159125" y="1459865"/>
+            <a:off x="3159125" y="2088515"/>
             <a:ext cx="161290" cy="254000"/>
           </a:xfrm>
           <a:prstGeom prst="flowChartMerge">
@@ -3953,13 +3889,13 @@
       </p:sp>
       <p:sp>
         <p:nvSpPr>
-          <p:cNvPr id="24" name="文本框 23"/>
+          <p:cNvPr id="179" name="文本框 178"/>
           <p:cNvSpPr txBox="1"/>
           <p:nvPr/>
         </p:nvSpPr>
         <p:spPr>
           <a:xfrm>
-            <a:off x="3039745" y="1713865"/>
+            <a:off x="3039745" y="2342515"/>
             <a:ext cx="1783080" cy="368300"/>
           </a:xfrm>
           <a:prstGeom prst="rect">
@@ -3973,22 +3909,30 @@
           </a:bodyPr>
           <a:p>
             <a:r>
-              <a:rPr lang="zh-CN" altLang="en-US"/>
+              <a:rPr lang="zh-CN" altLang="en-US">
+                <a:solidFill>
+                  <a:schemeClr val="bg1"/>
+                </a:solidFill>
+              </a:rPr>
               <a:t>迭代启动评估点</a:t>
             </a:r>
-            <a:endParaRPr lang="zh-CN" altLang="en-US"/>
-          </a:p>
-        </p:txBody>
-      </p:sp>
-      <p:sp>
-        <p:nvSpPr>
-          <p:cNvPr id="25" name="流程图: 合并 24"/>
+            <a:endParaRPr lang="zh-CN" altLang="en-US">
+              <a:solidFill>
+                <a:schemeClr val="bg1"/>
+              </a:solidFill>
+            </a:endParaRPr>
+          </a:p>
+        </p:txBody>
+      </p:sp>
+      <p:sp>
+        <p:nvSpPr>
+          <p:cNvPr id="180" name="流程图: 合并 179"/>
           <p:cNvSpPr/>
           <p:nvPr/>
         </p:nvSpPr>
         <p:spPr>
           <a:xfrm rot="10800000">
-            <a:off x="2400935" y="1551305"/>
+            <a:off x="2400935" y="2179955"/>
             <a:ext cx="161290" cy="254000"/>
           </a:xfrm>
           <a:prstGeom prst="flowChartMerge">
@@ -4032,13 +3976,13 @@
       </p:sp>
       <p:sp>
         <p:nvSpPr>
-          <p:cNvPr id="26" name="文本框 25"/>
+          <p:cNvPr id="181" name="文本框 180"/>
           <p:cNvSpPr txBox="1"/>
           <p:nvPr/>
         </p:nvSpPr>
         <p:spPr>
           <a:xfrm>
-            <a:off x="2222500" y="1725295"/>
+            <a:off x="2222500" y="2353945"/>
             <a:ext cx="533400" cy="368300"/>
           </a:xfrm>
           <a:prstGeom prst="rect">
@@ -4052,22 +3996,30 @@
           </a:bodyPr>
           <a:p>
             <a:r>
-              <a:rPr lang="en-US" altLang="zh-CN"/>
+              <a:rPr lang="en-US" altLang="zh-CN">
+                <a:solidFill>
+                  <a:schemeClr val="bg1"/>
+                </a:solidFill>
+              </a:rPr>
               <a:t>TR2</a:t>
             </a:r>
-            <a:endParaRPr lang="en-US" altLang="zh-CN"/>
-          </a:p>
-        </p:txBody>
-      </p:sp>
-      <p:sp>
-        <p:nvSpPr>
-          <p:cNvPr id="27" name="流程图: 合并 26"/>
+            <a:endParaRPr lang="en-US" altLang="zh-CN">
+              <a:solidFill>
+                <a:schemeClr val="bg1"/>
+              </a:solidFill>
+            </a:endParaRPr>
+          </a:p>
+        </p:txBody>
+      </p:sp>
+      <p:sp>
+        <p:nvSpPr>
+          <p:cNvPr id="182" name="流程图: 合并 181"/>
           <p:cNvSpPr/>
           <p:nvPr/>
         </p:nvSpPr>
         <p:spPr>
           <a:xfrm rot="10800000">
-            <a:off x="7653020" y="1465580"/>
+            <a:off x="7653020" y="2094230"/>
             <a:ext cx="161290" cy="254000"/>
           </a:xfrm>
           <a:prstGeom prst="flowChartMerge">
@@ -4111,14 +4063,14 @@
       </p:sp>
       <p:sp>
         <p:nvSpPr>
-          <p:cNvPr id="28" name="文本框 27"/>
+          <p:cNvPr id="183" name="文本框 182"/>
           <p:cNvSpPr txBox="1"/>
           <p:nvPr/>
         </p:nvSpPr>
         <p:spPr>
           <a:xfrm>
-            <a:off x="7466965" y="1637030"/>
-            <a:ext cx="533400" cy="368300"/>
+            <a:off x="7466965" y="2265680"/>
+            <a:ext cx="651510" cy="368300"/>
           </a:xfrm>
           <a:prstGeom prst="rect">
             <a:avLst/>
@@ -4131,22 +4083,30 @@
           </a:bodyPr>
           <a:p>
             <a:r>
-              <a:rPr lang="en-US" altLang="zh-CN"/>
+              <a:rPr lang="en-US" altLang="zh-CN">
+                <a:solidFill>
+                  <a:schemeClr val="bg1"/>
+                </a:solidFill>
+              </a:rPr>
               <a:t>TR4</a:t>
             </a:r>
-            <a:endParaRPr lang="en-US" altLang="zh-CN"/>
-          </a:p>
-        </p:txBody>
-      </p:sp>
-      <p:sp>
-        <p:nvSpPr>
-          <p:cNvPr id="29" name="流程图: 合并 28"/>
+            <a:endParaRPr lang="en-US" altLang="zh-CN">
+              <a:solidFill>
+                <a:schemeClr val="bg1"/>
+              </a:solidFill>
+            </a:endParaRPr>
+          </a:p>
+        </p:txBody>
+      </p:sp>
+      <p:sp>
+        <p:nvSpPr>
+          <p:cNvPr id="184" name="流程图: 合并 183"/>
           <p:cNvSpPr/>
           <p:nvPr/>
         </p:nvSpPr>
         <p:spPr>
           <a:xfrm rot="10800000">
-            <a:off x="8959850" y="1441450"/>
+            <a:off x="8959850" y="2070100"/>
             <a:ext cx="161290" cy="254000"/>
           </a:xfrm>
           <a:prstGeom prst="flowChartMerge">
@@ -4190,13 +4150,13 @@
       </p:sp>
       <p:sp>
         <p:nvSpPr>
-          <p:cNvPr id="30" name="流程图: 合并 29"/>
+          <p:cNvPr id="185" name="流程图: 合并 184"/>
           <p:cNvSpPr/>
           <p:nvPr/>
         </p:nvSpPr>
         <p:spPr>
           <a:xfrm rot="10800000">
-            <a:off x="8303895" y="1465580"/>
+            <a:off x="8303895" y="2094230"/>
             <a:ext cx="161290" cy="254000"/>
           </a:xfrm>
           <a:prstGeom prst="flowChartMerge">
@@ -4240,14 +4200,14 @@
       </p:sp>
       <p:sp>
         <p:nvSpPr>
-          <p:cNvPr id="31" name="文本框 30"/>
+          <p:cNvPr id="186" name="文本框 185"/>
           <p:cNvSpPr txBox="1"/>
           <p:nvPr/>
         </p:nvSpPr>
         <p:spPr>
           <a:xfrm>
-            <a:off x="8117840" y="1637030"/>
-            <a:ext cx="533400" cy="368300"/>
+            <a:off x="8117840" y="2265680"/>
+            <a:ext cx="655320" cy="368300"/>
           </a:xfrm>
           <a:prstGeom prst="rect">
             <a:avLst/>
@@ -4260,23 +4220,31 @@
           </a:bodyPr>
           <a:p>
             <a:r>
-              <a:rPr lang="en-US" altLang="zh-CN"/>
+              <a:rPr lang="en-US" altLang="zh-CN">
+                <a:solidFill>
+                  <a:schemeClr val="bg1"/>
+                </a:solidFill>
+              </a:rPr>
               <a:t>TR5</a:t>
             </a:r>
-            <a:endParaRPr lang="en-US" altLang="zh-CN"/>
-          </a:p>
-        </p:txBody>
-      </p:sp>
-      <p:sp>
-        <p:nvSpPr>
-          <p:cNvPr id="32" name="文本框 31"/>
+            <a:endParaRPr lang="en-US" altLang="zh-CN">
+              <a:solidFill>
+                <a:schemeClr val="bg1"/>
+              </a:solidFill>
+            </a:endParaRPr>
+          </a:p>
+        </p:txBody>
+      </p:sp>
+      <p:sp>
+        <p:nvSpPr>
+          <p:cNvPr id="187" name="文本框 186"/>
           <p:cNvSpPr txBox="1"/>
           <p:nvPr/>
         </p:nvSpPr>
         <p:spPr>
           <a:xfrm>
-            <a:off x="8773795" y="1637030"/>
-            <a:ext cx="533400" cy="368300"/>
+            <a:off x="8773795" y="2265680"/>
+            <a:ext cx="671195" cy="368300"/>
           </a:xfrm>
           <a:prstGeom prst="rect">
             <a:avLst/>
@@ -4289,22 +4257,30 @@
           </a:bodyPr>
           <a:p>
             <a:r>
-              <a:rPr lang="en-US" altLang="zh-CN"/>
+              <a:rPr lang="en-US" altLang="zh-CN">
+                <a:solidFill>
+                  <a:schemeClr val="bg1"/>
+                </a:solidFill>
+              </a:rPr>
               <a:t>TR6</a:t>
             </a:r>
-            <a:endParaRPr lang="en-US" altLang="zh-CN"/>
-          </a:p>
-        </p:txBody>
-      </p:sp>
-      <p:sp>
-        <p:nvSpPr>
-          <p:cNvPr id="33" name="文本框 32"/>
+            <a:endParaRPr lang="en-US" altLang="zh-CN">
+              <a:solidFill>
+                <a:schemeClr val="bg1"/>
+              </a:solidFill>
+            </a:endParaRPr>
+          </a:p>
+        </p:txBody>
+      </p:sp>
+      <p:sp>
+        <p:nvSpPr>
+          <p:cNvPr id="188" name="文本框 187"/>
           <p:cNvSpPr txBox="1"/>
           <p:nvPr/>
         </p:nvSpPr>
         <p:spPr>
           <a:xfrm>
-            <a:off x="7589520" y="1268730"/>
+            <a:off x="7589520" y="1897380"/>
             <a:ext cx="288290" cy="5077460"/>
           </a:xfrm>
           <a:prstGeom prst="rect">
@@ -4628,13 +4604,13 @@
       </p:sp>
       <p:sp>
         <p:nvSpPr>
-          <p:cNvPr id="34" name="文本框 33"/>
+          <p:cNvPr id="189" name="文本框 188"/>
           <p:cNvSpPr txBox="1"/>
           <p:nvPr/>
         </p:nvSpPr>
         <p:spPr>
           <a:xfrm>
-            <a:off x="8240395" y="1268730"/>
+            <a:off x="8240395" y="1897380"/>
             <a:ext cx="288290" cy="5077460"/>
           </a:xfrm>
           <a:prstGeom prst="rect">
@@ -4958,13 +4934,13 @@
       </p:sp>
       <p:sp>
         <p:nvSpPr>
-          <p:cNvPr id="35" name="文本框 34"/>
+          <p:cNvPr id="190" name="文本框 189"/>
           <p:cNvSpPr txBox="1"/>
           <p:nvPr/>
         </p:nvSpPr>
         <p:spPr>
           <a:xfrm>
-            <a:off x="8896350" y="1268730"/>
+            <a:off x="8896350" y="1897380"/>
             <a:ext cx="288290" cy="5077460"/>
           </a:xfrm>
           <a:prstGeom prst="rect">
@@ -5288,42 +5264,13 @@
       </p:sp>
       <p:sp>
         <p:nvSpPr>
-          <p:cNvPr id="37" name="文本框 36"/>
-          <p:cNvSpPr txBox="1"/>
-          <p:nvPr/>
-        </p:nvSpPr>
-        <p:spPr>
-          <a:xfrm>
-            <a:off x="4892675" y="300355"/>
-            <a:ext cx="2685415" cy="521970"/>
-          </a:xfrm>
-          <a:prstGeom prst="rect">
-            <a:avLst/>
-          </a:prstGeom>
-          <a:noFill/>
-        </p:spPr>
-        <p:txBody>
-          <a:bodyPr wrap="none" rtlCol="0">
-            <a:spAutoFit/>
-          </a:bodyPr>
-          <a:p>
-            <a:r>
-              <a:rPr lang="zh-CN" altLang="en-US" sz="2800" b="1"/>
-              <a:t>项目级敏捷框架</a:t>
-            </a:r>
-            <a:endParaRPr lang="zh-CN" altLang="en-US" sz="2800" b="1"/>
-          </a:p>
-        </p:txBody>
-      </p:sp>
-      <p:sp>
-        <p:nvSpPr>
-          <p:cNvPr id="38" name="流程图: 库存数据 37"/>
+          <p:cNvPr id="191" name="流程图: 库存数据 190"/>
           <p:cNvSpPr/>
           <p:nvPr/>
         </p:nvSpPr>
         <p:spPr>
           <a:xfrm rot="10800000">
-            <a:off x="854075" y="2022475"/>
+            <a:off x="854075" y="2651125"/>
             <a:ext cx="871220" cy="400050"/>
           </a:xfrm>
           <a:prstGeom prst="flowChartOnlineStorage">
@@ -5359,13 +5306,13 @@
       </p:sp>
       <p:sp>
         <p:nvSpPr>
-          <p:cNvPr id="40" name="文本框 39"/>
+          <p:cNvPr id="192" name="文本框 191"/>
           <p:cNvSpPr txBox="1"/>
           <p:nvPr/>
         </p:nvSpPr>
         <p:spPr>
           <a:xfrm>
-            <a:off x="949325" y="2093595"/>
+            <a:off x="949325" y="2722245"/>
             <a:ext cx="690880" cy="245110"/>
           </a:xfrm>
           <a:prstGeom prst="rect">
@@ -5396,13 +5343,13 @@
       </p:sp>
       <p:sp>
         <p:nvSpPr>
-          <p:cNvPr id="41" name="流程图: 文档 40"/>
+          <p:cNvPr id="193" name="流程图: 文档 192"/>
           <p:cNvSpPr/>
           <p:nvPr/>
         </p:nvSpPr>
         <p:spPr>
           <a:xfrm>
-            <a:off x="725170" y="2651125"/>
+            <a:off x="725170" y="3279775"/>
             <a:ext cx="914400" cy="611505"/>
           </a:xfrm>
           <a:prstGeom prst="flowChartDocument">
@@ -5446,13 +5393,13 @@
       </p:sp>
       <p:sp>
         <p:nvSpPr>
-          <p:cNvPr id="42" name="文本框 41"/>
+          <p:cNvPr id="194" name="文本框 193"/>
           <p:cNvSpPr txBox="1"/>
           <p:nvPr/>
         </p:nvSpPr>
         <p:spPr>
           <a:xfrm>
-            <a:off x="725170" y="2651125"/>
+            <a:off x="725170" y="3279775"/>
             <a:ext cx="834390" cy="553085"/>
           </a:xfrm>
           <a:prstGeom prst="rect">
@@ -5537,13 +5484,13 @@
       </p:sp>
       <p:sp>
         <p:nvSpPr>
-          <p:cNvPr id="43" name="下箭头 42"/>
+          <p:cNvPr id="195" name="下箭头 194"/>
           <p:cNvSpPr/>
           <p:nvPr/>
         </p:nvSpPr>
         <p:spPr>
           <a:xfrm>
-            <a:off x="1192530" y="2422525"/>
+            <a:off x="1192530" y="3051175"/>
             <a:ext cx="197485" cy="228600"/>
           </a:xfrm>
           <a:prstGeom prst="downArrow">
@@ -5579,13 +5526,13 @@
       </p:sp>
       <p:sp>
         <p:nvSpPr>
-          <p:cNvPr id="44" name="流程图: 准备 43"/>
+          <p:cNvPr id="196" name="流程图: 准备 195"/>
           <p:cNvSpPr/>
           <p:nvPr/>
         </p:nvSpPr>
         <p:spPr>
           <a:xfrm>
-            <a:off x="606425" y="3492500"/>
+            <a:off x="606425" y="4121150"/>
             <a:ext cx="1061720" cy="306705"/>
           </a:xfrm>
           <a:prstGeom prst="flowChartPreparation">
@@ -5621,13 +5568,13 @@
       </p:sp>
       <p:sp>
         <p:nvSpPr>
-          <p:cNvPr id="45" name="下箭头 44"/>
+          <p:cNvPr id="197" name="下箭头 196"/>
           <p:cNvSpPr/>
           <p:nvPr/>
         </p:nvSpPr>
         <p:spPr>
           <a:xfrm>
-            <a:off x="1072515" y="3262630"/>
+            <a:off x="1072515" y="3891280"/>
             <a:ext cx="197485" cy="228600"/>
           </a:xfrm>
           <a:prstGeom prst="downArrow">
@@ -5663,13 +5610,13 @@
       </p:sp>
       <p:sp>
         <p:nvSpPr>
-          <p:cNvPr id="47" name="文本框 46"/>
+          <p:cNvPr id="198" name="文本框 197"/>
           <p:cNvSpPr txBox="1"/>
           <p:nvPr/>
         </p:nvSpPr>
         <p:spPr>
           <a:xfrm>
-            <a:off x="765810" y="3446780"/>
+            <a:off x="765810" y="4075430"/>
             <a:ext cx="944880" cy="398780"/>
           </a:xfrm>
           <a:prstGeom prst="rect">
@@ -5723,13 +5670,13 @@
       </p:sp>
       <p:sp>
         <p:nvSpPr>
-          <p:cNvPr id="49" name="流程图: 文档 48"/>
+          <p:cNvPr id="199" name="流程图: 文档 198"/>
           <p:cNvSpPr/>
           <p:nvPr/>
         </p:nvSpPr>
         <p:spPr>
           <a:xfrm>
-            <a:off x="656590" y="4023360"/>
+            <a:off x="656590" y="4652010"/>
             <a:ext cx="983615" cy="497840"/>
           </a:xfrm>
           <a:prstGeom prst="flowChartDocument">
@@ -5773,13 +5720,13 @@
       </p:sp>
       <p:sp>
         <p:nvSpPr>
-          <p:cNvPr id="50" name="文本框 49"/>
+          <p:cNvPr id="200" name="文本框 199"/>
           <p:cNvSpPr txBox="1"/>
           <p:nvPr/>
         </p:nvSpPr>
         <p:spPr>
           <a:xfrm>
-            <a:off x="646430" y="4098925"/>
+            <a:off x="646430" y="4727575"/>
             <a:ext cx="1071245" cy="245110"/>
           </a:xfrm>
           <a:prstGeom prst="rect">
@@ -5826,13 +5773,13 @@
       </p:sp>
       <p:sp>
         <p:nvSpPr>
-          <p:cNvPr id="51" name="下箭头 50"/>
+          <p:cNvPr id="201" name="下箭头 200"/>
           <p:cNvSpPr/>
           <p:nvPr/>
         </p:nvSpPr>
         <p:spPr>
           <a:xfrm>
-            <a:off x="1185545" y="3807460"/>
+            <a:off x="1185545" y="4436110"/>
             <a:ext cx="197485" cy="228600"/>
           </a:xfrm>
           <a:prstGeom prst="downArrow">
@@ -5868,13 +5815,13 @@
       </p:sp>
       <p:sp>
         <p:nvSpPr>
-          <p:cNvPr id="52" name="流程图: 库存数据 51"/>
+          <p:cNvPr id="202" name="流程图: 库存数据 201"/>
           <p:cNvSpPr/>
           <p:nvPr/>
         </p:nvSpPr>
         <p:spPr>
           <a:xfrm rot="10800000">
-            <a:off x="923290" y="4673600"/>
+            <a:off x="923290" y="5302250"/>
             <a:ext cx="1099820" cy="400050"/>
           </a:xfrm>
           <a:prstGeom prst="flowChartOnlineStorage">
@@ -5910,13 +5857,13 @@
       </p:sp>
       <p:sp>
         <p:nvSpPr>
-          <p:cNvPr id="53" name="文本框 52"/>
+          <p:cNvPr id="203" name="文本框 202"/>
           <p:cNvSpPr txBox="1"/>
           <p:nvPr/>
         </p:nvSpPr>
         <p:spPr>
           <a:xfrm>
-            <a:off x="1094740" y="4744720"/>
+            <a:off x="1094740" y="5373370"/>
             <a:ext cx="1030605" cy="245110"/>
           </a:xfrm>
           <a:prstGeom prst="rect">
@@ -5947,13 +5894,13 @@
       </p:sp>
       <p:sp>
         <p:nvSpPr>
-          <p:cNvPr id="54" name="流程图: 文档 53"/>
+          <p:cNvPr id="204" name="流程图: 文档 203"/>
           <p:cNvSpPr/>
           <p:nvPr/>
         </p:nvSpPr>
         <p:spPr>
           <a:xfrm>
-            <a:off x="873125" y="5331460"/>
+            <a:off x="873125" y="5960110"/>
             <a:ext cx="1252220" cy="497840"/>
           </a:xfrm>
           <a:prstGeom prst="flowChartDocument">
@@ -5997,13 +5944,13 @@
       </p:sp>
       <p:sp>
         <p:nvSpPr>
-          <p:cNvPr id="55" name="文本框 54"/>
+          <p:cNvPr id="205" name="文本框 204"/>
           <p:cNvSpPr txBox="1"/>
           <p:nvPr/>
         </p:nvSpPr>
         <p:spPr>
           <a:xfrm>
-            <a:off x="1192530" y="5432425"/>
+            <a:off x="1192530" y="6061075"/>
             <a:ext cx="731520" cy="245110"/>
           </a:xfrm>
           <a:prstGeom prst="rect">
@@ -6034,13 +5981,13 @@
       </p:sp>
       <p:sp>
         <p:nvSpPr>
-          <p:cNvPr id="56" name="下箭头 55"/>
+          <p:cNvPr id="206" name="下箭头 205"/>
           <p:cNvSpPr/>
           <p:nvPr/>
         </p:nvSpPr>
         <p:spPr>
           <a:xfrm>
-            <a:off x="1400810" y="5102860"/>
+            <a:off x="1400810" y="5731510"/>
             <a:ext cx="197485" cy="228600"/>
           </a:xfrm>
           <a:prstGeom prst="downArrow">
@@ -6076,13 +6023,13 @@
       </p:sp>
       <p:sp>
         <p:nvSpPr>
-          <p:cNvPr id="57" name="文本框 56"/>
+          <p:cNvPr id="207" name="文本框 206"/>
           <p:cNvSpPr txBox="1"/>
           <p:nvPr/>
         </p:nvSpPr>
         <p:spPr>
           <a:xfrm>
-            <a:off x="2337435" y="1344930"/>
+            <a:off x="2337435" y="1973580"/>
             <a:ext cx="288290" cy="5077460"/>
           </a:xfrm>
           <a:prstGeom prst="rect">
@@ -6406,13 +6353,13 @@
       </p:sp>
       <p:sp>
         <p:nvSpPr>
-          <p:cNvPr id="58" name="文本框 57"/>
+          <p:cNvPr id="208" name="文本框 207"/>
           <p:cNvSpPr txBox="1"/>
           <p:nvPr/>
         </p:nvSpPr>
         <p:spPr>
           <a:xfrm>
-            <a:off x="5459730" y="800100"/>
+            <a:off x="5459730" y="1428750"/>
             <a:ext cx="1554480" cy="368300"/>
           </a:xfrm>
           <a:prstGeom prst="rect">
@@ -6426,22 +6373,30 @@
           </a:bodyPr>
           <a:p>
             <a:r>
-              <a:rPr lang="zh-CN" altLang="en-US"/>
+              <a:rPr lang="zh-CN" altLang="en-US">
+                <a:solidFill>
+                  <a:schemeClr val="bg1"/>
+                </a:solidFill>
+              </a:rPr>
               <a:t>整体过程架构</a:t>
             </a:r>
-            <a:endParaRPr lang="zh-CN" altLang="en-US"/>
-          </a:p>
-        </p:txBody>
-      </p:sp>
-      <p:sp>
-        <p:nvSpPr>
-          <p:cNvPr id="59" name="流程图: 库存数据 58"/>
+            <a:endParaRPr lang="zh-CN" altLang="en-US">
+              <a:solidFill>
+                <a:schemeClr val="bg1"/>
+              </a:solidFill>
+            </a:endParaRPr>
+          </a:p>
+        </p:txBody>
+      </p:sp>
+      <p:sp>
+        <p:nvSpPr>
+          <p:cNvPr id="209" name="流程图: 库存数据 208"/>
           <p:cNvSpPr/>
           <p:nvPr/>
         </p:nvSpPr>
         <p:spPr>
           <a:xfrm rot="10800000">
-            <a:off x="1678305" y="2733675"/>
+            <a:off x="1678305" y="3362325"/>
             <a:ext cx="750570" cy="273050"/>
           </a:xfrm>
           <a:prstGeom prst="flowChartOnlineStorage">
@@ -6477,13 +6432,13 @@
       </p:sp>
       <p:sp>
         <p:nvSpPr>
-          <p:cNvPr id="60" name="文本框 59"/>
+          <p:cNvPr id="210" name="文本框 209"/>
           <p:cNvSpPr txBox="1"/>
           <p:nvPr/>
         </p:nvSpPr>
         <p:spPr>
           <a:xfrm>
-            <a:off x="1791335" y="2761615"/>
+            <a:off x="1791335" y="3390265"/>
             <a:ext cx="704850" cy="245110"/>
           </a:xfrm>
           <a:prstGeom prst="rect">
@@ -6522,13 +6477,13 @@
       </p:sp>
       <p:sp>
         <p:nvSpPr>
-          <p:cNvPr id="61" name="流程图: 文档 60"/>
+          <p:cNvPr id="211" name="流程图: 文档 210"/>
           <p:cNvSpPr/>
           <p:nvPr/>
         </p:nvSpPr>
         <p:spPr>
           <a:xfrm>
-            <a:off x="1639570" y="3407410"/>
+            <a:off x="1639570" y="4036060"/>
             <a:ext cx="807720" cy="408940"/>
           </a:xfrm>
           <a:prstGeom prst="flowChartDocument">
@@ -6572,13 +6527,13 @@
       </p:sp>
       <p:sp>
         <p:nvSpPr>
-          <p:cNvPr id="62" name="文本框 61"/>
+          <p:cNvPr id="212" name="文本框 211"/>
           <p:cNvSpPr txBox="1"/>
           <p:nvPr/>
         </p:nvSpPr>
         <p:spPr>
           <a:xfrm>
-            <a:off x="1629410" y="3482975"/>
+            <a:off x="1629410" y="4111625"/>
             <a:ext cx="882015" cy="245110"/>
           </a:xfrm>
           <a:prstGeom prst="rect">
@@ -6609,13 +6564,13 @@
       </p:sp>
       <p:sp>
         <p:nvSpPr>
-          <p:cNvPr id="63" name="下箭头 62"/>
+          <p:cNvPr id="213" name="下箭头 212"/>
           <p:cNvSpPr/>
           <p:nvPr/>
         </p:nvSpPr>
         <p:spPr>
           <a:xfrm>
-            <a:off x="2824480" y="2813685"/>
+            <a:off x="2824480" y="3442335"/>
             <a:ext cx="201930" cy="557530"/>
           </a:xfrm>
           <a:prstGeom prst="downArrow">
@@ -6651,13 +6606,13 @@
       </p:sp>
       <p:sp>
         <p:nvSpPr>
-          <p:cNvPr id="64" name="流程图: 准备 63"/>
+          <p:cNvPr id="214" name="流程图: 准备 213"/>
           <p:cNvSpPr/>
           <p:nvPr/>
         </p:nvSpPr>
         <p:spPr>
           <a:xfrm>
-            <a:off x="2511425" y="2199005"/>
+            <a:off x="2511425" y="2827655"/>
             <a:ext cx="893445" cy="614680"/>
           </a:xfrm>
           <a:prstGeom prst="flowChartPreparation">
@@ -6693,13 +6648,13 @@
       </p:sp>
       <p:sp>
         <p:nvSpPr>
-          <p:cNvPr id="65" name="文本框 64"/>
+          <p:cNvPr id="215" name="文本框 214"/>
           <p:cNvSpPr txBox="1"/>
           <p:nvPr/>
         </p:nvSpPr>
         <p:spPr>
           <a:xfrm>
-            <a:off x="2713990" y="2234565"/>
+            <a:off x="2713990" y="2863215"/>
             <a:ext cx="488315" cy="553085"/>
           </a:xfrm>
           <a:prstGeom prst="rect">
@@ -6760,13 +6715,13 @@
       </p:sp>
       <p:sp>
         <p:nvSpPr>
-          <p:cNvPr id="66" name="流程图: 文档 65"/>
+          <p:cNvPr id="216" name="流程图: 文档 215"/>
           <p:cNvSpPr/>
           <p:nvPr/>
         </p:nvSpPr>
         <p:spPr>
           <a:xfrm>
-            <a:off x="2521585" y="3371215"/>
+            <a:off x="2521585" y="3999865"/>
             <a:ext cx="807720" cy="727710"/>
           </a:xfrm>
           <a:prstGeom prst="flowChartDocument">
@@ -6810,13 +6765,13 @@
       </p:sp>
       <p:sp>
         <p:nvSpPr>
-          <p:cNvPr id="67" name="文本框 66"/>
+          <p:cNvPr id="217" name="文本框 216"/>
           <p:cNvSpPr txBox="1"/>
           <p:nvPr/>
         </p:nvSpPr>
         <p:spPr>
           <a:xfrm>
-            <a:off x="2562225" y="3492500"/>
+            <a:off x="2562225" y="4121150"/>
             <a:ext cx="758190" cy="398780"/>
           </a:xfrm>
           <a:prstGeom prst="rect">
@@ -6862,13 +6817,13 @@
       </p:sp>
       <p:sp>
         <p:nvSpPr>
-          <p:cNvPr id="68" name="下箭头 67"/>
+          <p:cNvPr id="218" name="下箭头 217"/>
           <p:cNvSpPr/>
           <p:nvPr/>
         </p:nvSpPr>
         <p:spPr>
           <a:xfrm>
-            <a:off x="1923415" y="3006725"/>
+            <a:off x="1923415" y="3635375"/>
             <a:ext cx="201930" cy="400685"/>
           </a:xfrm>
           <a:prstGeom prst="downArrow">
@@ -6904,13 +6859,13 @@
       </p:sp>
       <p:sp>
         <p:nvSpPr>
-          <p:cNvPr id="69" name="流程图: 库存数据 68"/>
+          <p:cNvPr id="219" name="流程图: 库存数据 218"/>
           <p:cNvSpPr/>
           <p:nvPr/>
         </p:nvSpPr>
         <p:spPr>
           <a:xfrm rot="10800000">
-            <a:off x="2562225" y="4521200"/>
+            <a:off x="2562225" y="5149850"/>
             <a:ext cx="1099820" cy="400050"/>
           </a:xfrm>
           <a:prstGeom prst="flowChartOnlineStorage">
@@ -6946,13 +6901,13 @@
       </p:sp>
       <p:sp>
         <p:nvSpPr>
-          <p:cNvPr id="70" name="文本框 69"/>
+          <p:cNvPr id="220" name="文本框 219"/>
           <p:cNvSpPr txBox="1"/>
           <p:nvPr/>
         </p:nvSpPr>
         <p:spPr>
           <a:xfrm>
-            <a:off x="2733675" y="4592320"/>
+            <a:off x="2733675" y="5220970"/>
             <a:ext cx="1030605" cy="245110"/>
           </a:xfrm>
           <a:prstGeom prst="rect">
@@ -6983,13 +6938,13 @@
       </p:sp>
       <p:sp>
         <p:nvSpPr>
-          <p:cNvPr id="71" name="流程图: 文档 70"/>
+          <p:cNvPr id="221" name="流程图: 文档 220"/>
           <p:cNvSpPr/>
           <p:nvPr/>
         </p:nvSpPr>
         <p:spPr>
           <a:xfrm>
-            <a:off x="2512060" y="5179060"/>
+            <a:off x="2512060" y="5807710"/>
             <a:ext cx="1252220" cy="497840"/>
           </a:xfrm>
           <a:prstGeom prst="flowChartDocument">
@@ -7033,13 +6988,13 @@
       </p:sp>
       <p:sp>
         <p:nvSpPr>
-          <p:cNvPr id="72" name="文本框 71"/>
+          <p:cNvPr id="222" name="文本框 221"/>
           <p:cNvSpPr txBox="1"/>
           <p:nvPr/>
         </p:nvSpPr>
         <p:spPr>
           <a:xfrm>
-            <a:off x="2831465" y="5280025"/>
+            <a:off x="2831465" y="5908675"/>
             <a:ext cx="731520" cy="245110"/>
           </a:xfrm>
           <a:prstGeom prst="rect">
@@ -7078,13 +7033,13 @@
       </p:sp>
       <p:sp>
         <p:nvSpPr>
-          <p:cNvPr id="73" name="下箭头 72"/>
+          <p:cNvPr id="223" name="下箭头 222"/>
           <p:cNvSpPr/>
           <p:nvPr/>
         </p:nvSpPr>
         <p:spPr>
           <a:xfrm>
-            <a:off x="3039745" y="4950460"/>
+            <a:off x="3039745" y="5579110"/>
             <a:ext cx="197485" cy="228600"/>
           </a:xfrm>
           <a:prstGeom prst="downArrow">
@@ -7120,13 +7075,13 @@
       </p:sp>
       <p:sp>
         <p:nvSpPr>
-          <p:cNvPr id="74" name="流程图: 准备 73"/>
+          <p:cNvPr id="224" name="流程图: 准备 223"/>
           <p:cNvSpPr/>
           <p:nvPr/>
         </p:nvSpPr>
         <p:spPr>
           <a:xfrm>
-            <a:off x="3242310" y="2787650"/>
+            <a:off x="3242310" y="3416300"/>
             <a:ext cx="1061720" cy="335280"/>
           </a:xfrm>
           <a:prstGeom prst="flowChartPreparation">
@@ -7166,13 +7121,13 @@
       </p:sp>
       <p:sp>
         <p:nvSpPr>
-          <p:cNvPr id="75" name="文本框 74"/>
+          <p:cNvPr id="225" name="文本框 224"/>
           <p:cNvSpPr txBox="1"/>
           <p:nvPr/>
         </p:nvSpPr>
         <p:spPr>
           <a:xfrm>
-            <a:off x="3256915" y="2771775"/>
+            <a:off x="3256915" y="3400425"/>
             <a:ext cx="974090" cy="337185"/>
           </a:xfrm>
           <a:prstGeom prst="rect">
@@ -7200,13 +7155,13 @@
       </p:sp>
       <p:sp>
         <p:nvSpPr>
-          <p:cNvPr id="76" name="流程图: 准备 75"/>
+          <p:cNvPr id="226" name="流程图: 准备 225"/>
           <p:cNvSpPr/>
           <p:nvPr/>
         </p:nvSpPr>
         <p:spPr>
           <a:xfrm>
-            <a:off x="4091305" y="3423285"/>
+            <a:off x="4091305" y="4051935"/>
             <a:ext cx="1061720" cy="335280"/>
           </a:xfrm>
           <a:prstGeom prst="flowChartPreparation">
@@ -7246,13 +7201,13 @@
       </p:sp>
       <p:sp>
         <p:nvSpPr>
-          <p:cNvPr id="77" name="文本框 76"/>
+          <p:cNvPr id="227" name="文本框 226"/>
           <p:cNvSpPr txBox="1"/>
           <p:nvPr/>
         </p:nvSpPr>
         <p:spPr>
           <a:xfrm>
-            <a:off x="4105910" y="3407410"/>
+            <a:off x="4105910" y="4036060"/>
             <a:ext cx="974090" cy="337185"/>
           </a:xfrm>
           <a:prstGeom prst="rect">
@@ -7280,13 +7235,13 @@
       </p:sp>
       <p:sp>
         <p:nvSpPr>
-          <p:cNvPr id="80" name="流程图: 准备 79"/>
+          <p:cNvPr id="228" name="流程图: 准备 227"/>
           <p:cNvSpPr/>
           <p:nvPr/>
         </p:nvSpPr>
         <p:spPr>
           <a:xfrm>
-            <a:off x="9919335" y="3728085"/>
+            <a:off x="9919335" y="4356735"/>
             <a:ext cx="885825" cy="278765"/>
           </a:xfrm>
           <a:prstGeom prst="flowChartPreparation">
@@ -7326,13 +7281,13 @@
       </p:sp>
       <p:sp>
         <p:nvSpPr>
-          <p:cNvPr id="81" name="文本框 80"/>
+          <p:cNvPr id="229" name="文本框 228"/>
           <p:cNvSpPr txBox="1"/>
           <p:nvPr/>
         </p:nvSpPr>
         <p:spPr>
           <a:xfrm>
-            <a:off x="5916295" y="4751705"/>
+            <a:off x="5916295" y="5380355"/>
             <a:ext cx="1025525" cy="337185"/>
           </a:xfrm>
           <a:prstGeom prst="rect">
@@ -7360,13 +7315,13 @@
       </p:sp>
       <p:sp>
         <p:nvSpPr>
-          <p:cNvPr id="82" name="流程图: 库存数据 81"/>
+          <p:cNvPr id="230" name="流程图: 库存数据 229"/>
           <p:cNvSpPr/>
           <p:nvPr/>
         </p:nvSpPr>
         <p:spPr>
           <a:xfrm rot="10800000">
-            <a:off x="6877050" y="5096510"/>
+            <a:off x="6877050" y="5725160"/>
             <a:ext cx="831215" cy="556260"/>
           </a:xfrm>
           <a:prstGeom prst="flowChartOnlineStorage">
@@ -7402,13 +7357,13 @@
       </p:sp>
       <p:sp>
         <p:nvSpPr>
-          <p:cNvPr id="83" name="文本框 82"/>
+          <p:cNvPr id="231" name="文本框 230"/>
           <p:cNvSpPr txBox="1"/>
           <p:nvPr/>
         </p:nvSpPr>
         <p:spPr>
           <a:xfrm>
-            <a:off x="6967220" y="5239385"/>
+            <a:off x="6967220" y="5868035"/>
             <a:ext cx="781050" cy="245110"/>
           </a:xfrm>
           <a:prstGeom prst="rect">
@@ -7439,13 +7394,13 @@
       </p:sp>
       <p:sp>
         <p:nvSpPr>
-          <p:cNvPr id="84" name="流程图: 合并 83"/>
+          <p:cNvPr id="232" name="流程图: 合并 231"/>
           <p:cNvSpPr/>
           <p:nvPr/>
         </p:nvSpPr>
         <p:spPr>
           <a:xfrm rot="10800000">
-            <a:off x="4061460" y="3147695"/>
+            <a:off x="4061460" y="3776345"/>
             <a:ext cx="161290" cy="254000"/>
           </a:xfrm>
           <a:prstGeom prst="flowChartMerge">
@@ -7481,13 +7436,13 @@
       </p:sp>
       <p:sp>
         <p:nvSpPr>
-          <p:cNvPr id="85" name="流程图: 合并 84"/>
+          <p:cNvPr id="233" name="流程图: 合并 232"/>
           <p:cNvSpPr/>
           <p:nvPr/>
         </p:nvSpPr>
         <p:spPr>
           <a:xfrm rot="10800000">
-            <a:off x="4991735" y="3807460"/>
+            <a:off x="4991735" y="4436110"/>
             <a:ext cx="161290" cy="254000"/>
           </a:xfrm>
           <a:prstGeom prst="flowChartMerge">
@@ -7523,13 +7478,13 @@
       </p:sp>
       <p:sp>
         <p:nvSpPr>
-          <p:cNvPr id="86" name="流程图: 合并 85"/>
+          <p:cNvPr id="234" name="流程图: 合并 233"/>
           <p:cNvSpPr/>
           <p:nvPr/>
         </p:nvSpPr>
         <p:spPr>
           <a:xfrm rot="10800000">
-            <a:off x="5881370" y="4450080"/>
+            <a:off x="5881370" y="5078730"/>
             <a:ext cx="161290" cy="254000"/>
           </a:xfrm>
           <a:prstGeom prst="flowChartMerge">
@@ -7565,13 +7520,13 @@
       </p:sp>
       <p:sp>
         <p:nvSpPr>
-          <p:cNvPr id="88" name="流程图: 库存数据 87"/>
+          <p:cNvPr id="235" name="流程图: 库存数据 234"/>
           <p:cNvSpPr/>
           <p:nvPr/>
         </p:nvSpPr>
         <p:spPr>
           <a:xfrm rot="10800000">
-            <a:off x="8384540" y="3322955"/>
+            <a:off x="8384540" y="3951605"/>
             <a:ext cx="654050" cy="1127125"/>
           </a:xfrm>
           <a:prstGeom prst="flowChartOnlineStorage">
@@ -7604,13 +7559,13 @@
       </p:sp>
       <p:sp>
         <p:nvSpPr>
-          <p:cNvPr id="89" name="流程图: 库存数据 88"/>
+          <p:cNvPr id="236" name="流程图: 库存数据 235"/>
           <p:cNvSpPr/>
           <p:nvPr/>
         </p:nvSpPr>
         <p:spPr>
           <a:xfrm rot="10800000">
-            <a:off x="7730490" y="3322955"/>
+            <a:off x="7730490" y="3951605"/>
             <a:ext cx="654050" cy="1127125"/>
           </a:xfrm>
           <a:prstGeom prst="flowChartOnlineStorage">
@@ -7643,13 +7598,13 @@
       </p:sp>
       <p:sp>
         <p:nvSpPr>
-          <p:cNvPr id="90" name="文本框 89"/>
+          <p:cNvPr id="237" name="文本框 236"/>
           <p:cNvSpPr txBox="1"/>
           <p:nvPr/>
         </p:nvSpPr>
         <p:spPr>
           <a:xfrm>
-            <a:off x="7920355" y="3371215"/>
+            <a:off x="7920355" y="3999865"/>
             <a:ext cx="320040" cy="1060450"/>
           </a:xfrm>
           <a:prstGeom prst="rect">
@@ -7721,13 +7676,13 @@
       </p:sp>
       <p:sp>
         <p:nvSpPr>
-          <p:cNvPr id="91" name="文本框 90"/>
+          <p:cNvPr id="238" name="文本框 237"/>
           <p:cNvSpPr txBox="1"/>
           <p:nvPr/>
         </p:nvSpPr>
         <p:spPr>
           <a:xfrm>
-            <a:off x="8576310" y="3356610"/>
+            <a:off x="8576310" y="3985260"/>
             <a:ext cx="356235" cy="1060450"/>
           </a:xfrm>
           <a:prstGeom prst="rect">
@@ -7799,13 +7754,13 @@
       </p:sp>
       <p:sp>
         <p:nvSpPr>
-          <p:cNvPr id="92" name="流程图: 合并 91"/>
+          <p:cNvPr id="239" name="流程图: 合并 238"/>
           <p:cNvSpPr/>
           <p:nvPr/>
         </p:nvSpPr>
         <p:spPr>
           <a:xfrm>
-            <a:off x="8976995" y="951230"/>
+            <a:off x="8976995" y="1579880"/>
             <a:ext cx="161290" cy="254000"/>
           </a:xfrm>
           <a:prstGeom prst="flowChartMerge">
@@ -7841,13 +7796,13 @@
       </p:sp>
       <p:sp>
         <p:nvSpPr>
-          <p:cNvPr id="93" name="文本框 92"/>
+          <p:cNvPr id="240" name="文本框 239"/>
           <p:cNvSpPr txBox="1"/>
           <p:nvPr/>
         </p:nvSpPr>
         <p:spPr>
           <a:xfrm>
-            <a:off x="8699500" y="668655"/>
+            <a:off x="8699500" y="1297305"/>
             <a:ext cx="695325" cy="368300"/>
           </a:xfrm>
           <a:prstGeom prst="rect">
@@ -7861,22 +7816,30 @@
           </a:bodyPr>
           <a:p>
             <a:r>
-              <a:rPr lang="en-US" altLang="zh-CN"/>
+              <a:rPr lang="en-US" altLang="zh-CN">
+                <a:solidFill>
+                  <a:schemeClr val="bg1"/>
+                </a:solidFill>
+              </a:rPr>
               <a:t>ADCP</a:t>
             </a:r>
-            <a:endParaRPr lang="en-US" altLang="zh-CN"/>
-          </a:p>
-        </p:txBody>
-      </p:sp>
-      <p:sp>
-        <p:nvSpPr>
-          <p:cNvPr id="94" name="流程图: 合并 93"/>
+            <a:endParaRPr lang="en-US" altLang="zh-CN">
+              <a:solidFill>
+                <a:schemeClr val="bg1"/>
+              </a:solidFill>
+            </a:endParaRPr>
+          </a:p>
+        </p:txBody>
+      </p:sp>
+      <p:sp>
+        <p:nvSpPr>
+          <p:cNvPr id="241" name="流程图: 合并 240"/>
           <p:cNvSpPr/>
           <p:nvPr/>
         </p:nvSpPr>
         <p:spPr>
           <a:xfrm>
-            <a:off x="9620250" y="951230"/>
+            <a:off x="9620250" y="1579880"/>
             <a:ext cx="161290" cy="254000"/>
           </a:xfrm>
           <a:prstGeom prst="flowChartMerge">
@@ -7912,13 +7875,13 @@
       </p:sp>
       <p:sp>
         <p:nvSpPr>
-          <p:cNvPr id="95" name="文本框 94"/>
+          <p:cNvPr id="242" name="文本框 241"/>
           <p:cNvSpPr txBox="1"/>
           <p:nvPr/>
         </p:nvSpPr>
         <p:spPr>
           <a:xfrm>
-            <a:off x="9445625" y="668655"/>
+            <a:off x="9445625" y="1297305"/>
             <a:ext cx="459105" cy="368300"/>
           </a:xfrm>
           <a:prstGeom prst="rect">
@@ -7932,22 +7895,30 @@
           </a:bodyPr>
           <a:p>
             <a:r>
-              <a:rPr lang="en-US" altLang="zh-CN"/>
+              <a:rPr lang="en-US" altLang="zh-CN">
+                <a:solidFill>
+                  <a:schemeClr val="bg1"/>
+                </a:solidFill>
+              </a:rPr>
               <a:t>GA</a:t>
             </a:r>
-            <a:endParaRPr lang="en-US" altLang="zh-CN"/>
-          </a:p>
-        </p:txBody>
-      </p:sp>
-      <p:sp>
-        <p:nvSpPr>
-          <p:cNvPr id="96" name="流程图: 库存数据 95"/>
+            <a:endParaRPr lang="en-US" altLang="zh-CN">
+              <a:solidFill>
+                <a:schemeClr val="bg1"/>
+              </a:solidFill>
+            </a:endParaRPr>
+          </a:p>
+        </p:txBody>
+      </p:sp>
+      <p:sp>
+        <p:nvSpPr>
+          <p:cNvPr id="243" name="流程图: 库存数据 242"/>
           <p:cNvSpPr/>
           <p:nvPr/>
         </p:nvSpPr>
         <p:spPr>
           <a:xfrm rot="10800000">
-            <a:off x="9987280" y="2234565"/>
+            <a:off x="9987280" y="2863215"/>
             <a:ext cx="750570" cy="273050"/>
           </a:xfrm>
           <a:prstGeom prst="flowChartOnlineStorage">
@@ -7983,13 +7954,13 @@
       </p:sp>
       <p:sp>
         <p:nvSpPr>
-          <p:cNvPr id="97" name="流程图: 文档 96"/>
+          <p:cNvPr id="244" name="流程图: 文档 243"/>
           <p:cNvSpPr/>
           <p:nvPr/>
         </p:nvSpPr>
         <p:spPr>
           <a:xfrm>
-            <a:off x="9904730" y="2696845"/>
+            <a:off x="9904730" y="3325495"/>
             <a:ext cx="833120" cy="346710"/>
           </a:xfrm>
           <a:prstGeom prst="flowChartDocument">
@@ -8033,13 +8004,13 @@
       </p:sp>
       <p:sp>
         <p:nvSpPr>
-          <p:cNvPr id="98" name="流程图: 准备 97"/>
+          <p:cNvPr id="245" name="流程图: 准备 244"/>
           <p:cNvSpPr/>
           <p:nvPr/>
         </p:nvSpPr>
         <p:spPr>
           <a:xfrm>
-            <a:off x="9904730" y="3204210"/>
+            <a:off x="9904730" y="3832860"/>
             <a:ext cx="885825" cy="306705"/>
           </a:xfrm>
           <a:prstGeom prst="flowChartPreparation">
@@ -8075,13 +8046,13 @@
       </p:sp>
       <p:sp>
         <p:nvSpPr>
-          <p:cNvPr id="100" name="文本框 99"/>
+          <p:cNvPr id="246" name="文本框 245"/>
           <p:cNvSpPr txBox="1"/>
           <p:nvPr/>
         </p:nvSpPr>
         <p:spPr>
           <a:xfrm>
-            <a:off x="10805160" y="2234565"/>
+            <a:off x="10805160" y="2863215"/>
             <a:ext cx="792480" cy="275590"/>
           </a:xfrm>
           <a:prstGeom prst="rect">
@@ -8095,22 +8066,30 @@
           </a:bodyPr>
           <a:p>
             <a:r>
-              <a:rPr lang="zh-CN" altLang="en-US" sz="1200"/>
+              <a:rPr lang="zh-CN" altLang="en-US" sz="1200">
+                <a:solidFill>
+                  <a:schemeClr val="bg1"/>
+                </a:solidFill>
+              </a:rPr>
               <a:t>工程活动</a:t>
             </a:r>
-            <a:endParaRPr lang="zh-CN" altLang="en-US" sz="1200"/>
-          </a:p>
-        </p:txBody>
-      </p:sp>
-      <p:sp>
-        <p:nvSpPr>
-          <p:cNvPr id="101" name="文本框 100"/>
+            <a:endParaRPr lang="zh-CN" altLang="en-US" sz="1200">
+              <a:solidFill>
+                <a:schemeClr val="bg1"/>
+              </a:solidFill>
+            </a:endParaRPr>
+          </a:p>
+        </p:txBody>
+      </p:sp>
+      <p:sp>
+        <p:nvSpPr>
+          <p:cNvPr id="247" name="文本框 246"/>
           <p:cNvSpPr txBox="1"/>
           <p:nvPr/>
         </p:nvSpPr>
         <p:spPr>
           <a:xfrm>
-            <a:off x="10805160" y="2696845"/>
+            <a:off x="10805160" y="3325495"/>
             <a:ext cx="640080" cy="275590"/>
           </a:xfrm>
           <a:prstGeom prst="rect">
@@ -8124,22 +8103,30 @@
           </a:bodyPr>
           <a:p>
             <a:r>
-              <a:rPr lang="zh-CN" altLang="en-US" sz="1200"/>
+              <a:rPr lang="zh-CN" altLang="en-US" sz="1200">
+                <a:solidFill>
+                  <a:schemeClr val="bg1"/>
+                </a:solidFill>
+              </a:rPr>
               <a:t>工作件</a:t>
             </a:r>
-            <a:endParaRPr lang="zh-CN" altLang="en-US" sz="1200"/>
-          </a:p>
-        </p:txBody>
-      </p:sp>
-      <p:sp>
-        <p:nvSpPr>
-          <p:cNvPr id="102" name="文本框 101"/>
+            <a:endParaRPr lang="zh-CN" altLang="en-US" sz="1200">
+              <a:solidFill>
+                <a:schemeClr val="bg1"/>
+              </a:solidFill>
+            </a:endParaRPr>
+          </a:p>
+        </p:txBody>
+      </p:sp>
+      <p:sp>
+        <p:nvSpPr>
+          <p:cNvPr id="248" name="文本框 247"/>
           <p:cNvSpPr txBox="1"/>
           <p:nvPr/>
         </p:nvSpPr>
         <p:spPr>
           <a:xfrm>
-            <a:off x="10805160" y="3216910"/>
+            <a:off x="10805160" y="3845560"/>
             <a:ext cx="792480" cy="275590"/>
           </a:xfrm>
           <a:prstGeom prst="rect">
@@ -8153,22 +8140,30 @@
           </a:bodyPr>
           <a:p>
             <a:r>
-              <a:rPr lang="zh-CN" altLang="en-US" sz="1200"/>
+              <a:rPr lang="zh-CN" altLang="en-US" sz="1200">
+                <a:solidFill>
+                  <a:schemeClr val="bg1"/>
+                </a:solidFill>
+              </a:rPr>
               <a:t>敏捷实践</a:t>
             </a:r>
-            <a:endParaRPr lang="zh-CN" altLang="en-US" sz="1200"/>
-          </a:p>
-        </p:txBody>
-      </p:sp>
-      <p:sp>
-        <p:nvSpPr>
-          <p:cNvPr id="103" name="文本框 102"/>
+            <a:endParaRPr lang="zh-CN" altLang="en-US" sz="1200">
+              <a:solidFill>
+                <a:schemeClr val="bg1"/>
+              </a:solidFill>
+            </a:endParaRPr>
+          </a:p>
+        </p:txBody>
+      </p:sp>
+      <p:sp>
+        <p:nvSpPr>
+          <p:cNvPr id="249" name="文本框 248"/>
           <p:cNvSpPr txBox="1"/>
           <p:nvPr/>
         </p:nvSpPr>
         <p:spPr>
           <a:xfrm>
-            <a:off x="10805160" y="3763645"/>
+            <a:off x="10805160" y="4392295"/>
             <a:ext cx="640080" cy="275590"/>
           </a:xfrm>
           <a:prstGeom prst="rect">
@@ -8182,14 +8177,18 @@
           </a:bodyPr>
           <a:p>
             <a:r>
-              <a:rPr lang="zh-CN" altLang="en-US" sz="1200"/>
-              <a:t>子</a:t>
-            </a:r>
-            <a:r>
-              <a:rPr lang="zh-CN" altLang="en-US" sz="1200"/>
-              <a:t>活动</a:t>
-            </a:r>
-            <a:endParaRPr lang="zh-CN" altLang="en-US" sz="1200"/>
+              <a:rPr lang="zh-CN" altLang="en-US" sz="1200">
+                <a:solidFill>
+                  <a:schemeClr val="bg1"/>
+                </a:solidFill>
+              </a:rPr>
+              <a:t>子活动</a:t>
+            </a:r>
+            <a:endParaRPr lang="zh-CN" altLang="en-US" sz="1200">
+              <a:solidFill>
+                <a:schemeClr val="bg1"/>
+              </a:solidFill>
+            </a:endParaRPr>
           </a:p>
         </p:txBody>
       </p:sp>
@@ -10453,1794 +10452,6 @@
         <p:nvPr/>
       </p:nvGrpSpPr>
       <p:grpSpPr/>
-      <p:sp>
-        <p:nvSpPr>
-          <p:cNvPr id="39" name="文本框 38"/>
-          <p:cNvSpPr txBox="1"/>
-          <p:nvPr/>
-        </p:nvSpPr>
-        <p:spPr>
-          <a:xfrm>
-            <a:off x="2178685" y="3079750"/>
-            <a:ext cx="7936230" cy="368300"/>
-          </a:xfrm>
-          <a:prstGeom prst="rect">
-            <a:avLst/>
-          </a:prstGeom>
-          <a:noFill/>
-        </p:spPr>
-        <p:txBody>
-          <a:bodyPr wrap="none" rtlCol="0">
-            <a:spAutoFit/>
-          </a:bodyPr>
-          <a:p>
-            <a:r>
-              <a:rPr lang="en-US" altLang="zh-CN">
-                <a:solidFill>
-                  <a:schemeClr val="bg1">
-                    <a:lumMod val="65000"/>
-                  </a:schemeClr>
-                </a:solidFill>
-              </a:rPr>
-              <a:t>---------------------------------------------------------------------------------------------------------------</a:t>
-            </a:r>
-            <a:endParaRPr lang="en-US" altLang="zh-CN">
-              <a:solidFill>
-                <a:schemeClr val="bg1">
-                  <a:lumMod val="65000"/>
-                </a:schemeClr>
-              </a:solidFill>
-            </a:endParaRPr>
-          </a:p>
-        </p:txBody>
-      </p:sp>
-      <p:sp>
-        <p:nvSpPr>
-          <p:cNvPr id="4" name="椭圆 3"/>
-          <p:cNvSpPr/>
-          <p:nvPr/>
-        </p:nvSpPr>
-        <p:spPr>
-          <a:xfrm>
-            <a:off x="1333500" y="2806700"/>
-            <a:ext cx="914400" cy="914400"/>
-          </a:xfrm>
-          <a:prstGeom prst="ellipse">
-            <a:avLst/>
-          </a:prstGeom>
-          <a:solidFill>
-            <a:srgbClr val="60C9CB"/>
-          </a:solidFill>
-        </p:spPr>
-        <p:style>
-          <a:lnRef idx="2">
-            <a:schemeClr val="accent1">
-              <a:shade val="50000"/>
-            </a:schemeClr>
-          </a:lnRef>
-          <a:fillRef idx="1">
-            <a:schemeClr val="accent1"/>
-          </a:fillRef>
-          <a:effectRef idx="0">
-            <a:schemeClr val="accent1"/>
-          </a:effectRef>
-          <a:fontRef idx="minor">
-            <a:schemeClr val="lt1"/>
-          </a:fontRef>
-        </p:style>
-        <p:txBody>
-          <a:bodyPr rtlCol="0" anchor="ctr"/>
-          <a:p>
-            <a:pPr algn="ctr"/>
-            <a:endParaRPr lang="zh-CN" altLang="en-US"/>
-          </a:p>
-        </p:txBody>
-      </p:sp>
-      <p:sp>
-        <p:nvSpPr>
-          <p:cNvPr id="5" name="椭圆 4"/>
-          <p:cNvSpPr/>
-          <p:nvPr/>
-        </p:nvSpPr>
-        <p:spPr>
-          <a:xfrm>
-            <a:off x="2794000" y="2806700"/>
-            <a:ext cx="914400" cy="914400"/>
-          </a:xfrm>
-          <a:prstGeom prst="ellipse">
-            <a:avLst/>
-          </a:prstGeom>
-          <a:solidFill>
-            <a:srgbClr val="D7DD27"/>
-          </a:solidFill>
-        </p:spPr>
-        <p:style>
-          <a:lnRef idx="2">
-            <a:schemeClr val="accent1">
-              <a:shade val="50000"/>
-            </a:schemeClr>
-          </a:lnRef>
-          <a:fillRef idx="1">
-            <a:schemeClr val="accent1"/>
-          </a:fillRef>
-          <a:effectRef idx="0">
-            <a:schemeClr val="accent1"/>
-          </a:effectRef>
-          <a:fontRef idx="minor">
-            <a:schemeClr val="lt1"/>
-          </a:fontRef>
-        </p:style>
-        <p:txBody>
-          <a:bodyPr rtlCol="0" anchor="ctr"/>
-          <a:p>
-            <a:pPr algn="ctr"/>
-            <a:endParaRPr lang="zh-CN" altLang="en-US"/>
-          </a:p>
-        </p:txBody>
-      </p:sp>
-      <p:sp>
-        <p:nvSpPr>
-          <p:cNvPr id="6" name="椭圆 5"/>
-          <p:cNvSpPr/>
-          <p:nvPr/>
-        </p:nvSpPr>
-        <p:spPr>
-          <a:xfrm>
-            <a:off x="4241800" y="2806700"/>
-            <a:ext cx="914400" cy="914400"/>
-          </a:xfrm>
-          <a:prstGeom prst="ellipse">
-            <a:avLst/>
-          </a:prstGeom>
-          <a:solidFill>
-            <a:srgbClr val="FDAD3A"/>
-          </a:solidFill>
-        </p:spPr>
-        <p:style>
-          <a:lnRef idx="2">
-            <a:schemeClr val="accent1">
-              <a:shade val="50000"/>
-            </a:schemeClr>
-          </a:lnRef>
-          <a:fillRef idx="1">
-            <a:schemeClr val="accent1"/>
-          </a:fillRef>
-          <a:effectRef idx="0">
-            <a:schemeClr val="accent1"/>
-          </a:effectRef>
-          <a:fontRef idx="minor">
-            <a:schemeClr val="lt1"/>
-          </a:fontRef>
-        </p:style>
-        <p:txBody>
-          <a:bodyPr rtlCol="0" anchor="ctr"/>
-          <a:p>
-            <a:pPr algn="ctr"/>
-            <a:endParaRPr lang="zh-CN" altLang="en-US"/>
-          </a:p>
-        </p:txBody>
-      </p:sp>
-      <p:sp>
-        <p:nvSpPr>
-          <p:cNvPr id="7" name="椭圆 6"/>
-          <p:cNvSpPr/>
-          <p:nvPr/>
-        </p:nvSpPr>
-        <p:spPr>
-          <a:xfrm>
-            <a:off x="5689600" y="2806700"/>
-            <a:ext cx="914400" cy="914400"/>
-          </a:xfrm>
-          <a:prstGeom prst="ellipse">
-            <a:avLst/>
-          </a:prstGeom>
-          <a:solidFill>
-            <a:srgbClr val="F5591F"/>
-          </a:solidFill>
-        </p:spPr>
-        <p:style>
-          <a:lnRef idx="2">
-            <a:schemeClr val="accent1">
-              <a:shade val="50000"/>
-            </a:schemeClr>
-          </a:lnRef>
-          <a:fillRef idx="1">
-            <a:schemeClr val="accent1"/>
-          </a:fillRef>
-          <a:effectRef idx="0">
-            <a:schemeClr val="accent1"/>
-          </a:effectRef>
-          <a:fontRef idx="minor">
-            <a:schemeClr val="lt1"/>
-          </a:fontRef>
-        </p:style>
-        <p:txBody>
-          <a:bodyPr rtlCol="0" anchor="ctr"/>
-          <a:p>
-            <a:pPr algn="ctr"/>
-            <a:endParaRPr lang="zh-CN" altLang="en-US"/>
-          </a:p>
-        </p:txBody>
-      </p:sp>
-      <p:sp>
-        <p:nvSpPr>
-          <p:cNvPr id="8" name="椭圆 7"/>
-          <p:cNvSpPr/>
-          <p:nvPr/>
-        </p:nvSpPr>
-        <p:spPr>
-          <a:xfrm>
-            <a:off x="7137400" y="2806700"/>
-            <a:ext cx="914400" cy="914400"/>
-          </a:xfrm>
-          <a:prstGeom prst="ellipse">
-            <a:avLst/>
-          </a:prstGeom>
-          <a:solidFill>
-            <a:srgbClr val="BB99CB"/>
-          </a:solidFill>
-        </p:spPr>
-        <p:style>
-          <a:lnRef idx="2">
-            <a:schemeClr val="accent1">
-              <a:shade val="50000"/>
-            </a:schemeClr>
-          </a:lnRef>
-          <a:fillRef idx="1">
-            <a:schemeClr val="accent1"/>
-          </a:fillRef>
-          <a:effectRef idx="0">
-            <a:schemeClr val="accent1"/>
-          </a:effectRef>
-          <a:fontRef idx="minor">
-            <a:schemeClr val="lt1"/>
-          </a:fontRef>
-        </p:style>
-        <p:txBody>
-          <a:bodyPr rtlCol="0" anchor="ctr"/>
-          <a:p>
-            <a:pPr algn="ctr"/>
-            <a:endParaRPr lang="zh-CN" altLang="en-US"/>
-          </a:p>
-        </p:txBody>
-      </p:sp>
-      <p:sp>
-        <p:nvSpPr>
-          <p:cNvPr id="9" name="椭圆 8"/>
-          <p:cNvSpPr/>
-          <p:nvPr/>
-        </p:nvSpPr>
-        <p:spPr>
-          <a:xfrm>
-            <a:off x="8597900" y="2806700"/>
-            <a:ext cx="914400" cy="914400"/>
-          </a:xfrm>
-          <a:prstGeom prst="ellipse">
-            <a:avLst/>
-          </a:prstGeom>
-          <a:solidFill>
-            <a:srgbClr val="3AB149"/>
-          </a:solidFill>
-        </p:spPr>
-        <p:style>
-          <a:lnRef idx="2">
-            <a:schemeClr val="accent1">
-              <a:shade val="50000"/>
-            </a:schemeClr>
-          </a:lnRef>
-          <a:fillRef idx="1">
-            <a:schemeClr val="accent1"/>
-          </a:fillRef>
-          <a:effectRef idx="0">
-            <a:schemeClr val="accent1"/>
-          </a:effectRef>
-          <a:fontRef idx="minor">
-            <a:schemeClr val="lt1"/>
-          </a:fontRef>
-        </p:style>
-        <p:txBody>
-          <a:bodyPr rtlCol="0" anchor="ctr"/>
-          <a:p>
-            <a:pPr algn="ctr"/>
-            <a:endParaRPr lang="zh-CN" altLang="en-US"/>
-          </a:p>
-        </p:txBody>
-      </p:sp>
-      <p:sp>
-        <p:nvSpPr>
-          <p:cNvPr id="10" name="椭圆 9"/>
-          <p:cNvSpPr/>
-          <p:nvPr/>
-        </p:nvSpPr>
-        <p:spPr>
-          <a:xfrm>
-            <a:off x="10033000" y="2806700"/>
-            <a:ext cx="914400" cy="914400"/>
-          </a:xfrm>
-          <a:prstGeom prst="ellipse">
-            <a:avLst/>
-          </a:prstGeom>
-        </p:spPr>
-        <p:style>
-          <a:lnRef idx="2">
-            <a:schemeClr val="accent1">
-              <a:shade val="50000"/>
-            </a:schemeClr>
-          </a:lnRef>
-          <a:fillRef idx="1">
-            <a:schemeClr val="accent1"/>
-          </a:fillRef>
-          <a:effectRef idx="0">
-            <a:schemeClr val="accent1"/>
-          </a:effectRef>
-          <a:fontRef idx="minor">
-            <a:schemeClr val="lt1"/>
-          </a:fontRef>
-        </p:style>
-        <p:txBody>
-          <a:bodyPr rtlCol="0" anchor="ctr"/>
-          <a:p>
-            <a:pPr algn="ctr"/>
-            <a:endParaRPr lang="zh-CN" altLang="en-US"/>
-          </a:p>
-        </p:txBody>
-      </p:sp>
-      <p:sp>
-        <p:nvSpPr>
-          <p:cNvPr id="11" name="燕尾形 10"/>
-          <p:cNvSpPr/>
-          <p:nvPr/>
-        </p:nvSpPr>
-        <p:spPr>
-          <a:xfrm rot="16200000">
-            <a:off x="887095" y="1724660"/>
-            <a:ext cx="1743075" cy="421640"/>
-          </a:xfrm>
-          <a:prstGeom prst="chevron">
-            <a:avLst/>
-          </a:prstGeom>
-          <a:solidFill>
-            <a:srgbClr val="60C9CB"/>
-          </a:solidFill>
-        </p:spPr>
-        <p:style>
-          <a:lnRef idx="2">
-            <a:schemeClr val="accent1">
-              <a:shade val="50000"/>
-            </a:schemeClr>
-          </a:lnRef>
-          <a:fillRef idx="1">
-            <a:schemeClr val="accent1"/>
-          </a:fillRef>
-          <a:effectRef idx="0">
-            <a:schemeClr val="accent1"/>
-          </a:effectRef>
-          <a:fontRef idx="minor">
-            <a:schemeClr val="lt1"/>
-          </a:fontRef>
-        </p:style>
-        <p:txBody>
-          <a:bodyPr rtlCol="0" anchor="ctr"/>
-          <a:p>
-            <a:pPr algn="ctr"/>
-            <a:endParaRPr lang="zh-CN" altLang="en-US"/>
-          </a:p>
-        </p:txBody>
-      </p:sp>
-      <p:sp>
-        <p:nvSpPr>
-          <p:cNvPr id="12" name="文本框 11"/>
-          <p:cNvSpPr txBox="1"/>
-          <p:nvPr/>
-        </p:nvSpPr>
-        <p:spPr>
-          <a:xfrm>
-            <a:off x="1366520" y="3079750"/>
-            <a:ext cx="881380" cy="368300"/>
-          </a:xfrm>
-          <a:prstGeom prst="rect">
-            <a:avLst/>
-          </a:prstGeom>
-          <a:noFill/>
-        </p:spPr>
-        <p:txBody>
-          <a:bodyPr wrap="none" rtlCol="0">
-            <a:spAutoFit/>
-          </a:bodyPr>
-          <a:p>
-            <a:pPr algn="l"/>
-            <a:r>
-              <a:rPr lang="zh-CN" altLang="en-US">
-                <a:solidFill>
-                  <a:schemeClr val="bg1"/>
-                </a:solidFill>
-                <a:latin typeface="Arial Black" panose="020B0A04020102020204" charset="0"/>
-                <a:ea typeface="黑体" panose="02010609060101010101" charset="-122"/>
-                <a:cs typeface="Arial Black" panose="020B0A04020102020204" charset="0"/>
-              </a:rPr>
-              <a:t>step1</a:t>
-            </a:r>
-            <a:endParaRPr lang="zh-CN" altLang="en-US">
-              <a:solidFill>
-                <a:schemeClr val="bg1"/>
-              </a:solidFill>
-              <a:latin typeface="Arial Black" panose="020B0A04020102020204" charset="0"/>
-              <a:ea typeface="黑体" panose="02010609060101010101" charset="-122"/>
-              <a:cs typeface="Arial Black" panose="020B0A04020102020204" charset="0"/>
-            </a:endParaRPr>
-          </a:p>
-        </p:txBody>
-      </p:sp>
-      <p:sp>
-        <p:nvSpPr>
-          <p:cNvPr id="13" name="文本框 12"/>
-          <p:cNvSpPr txBox="1"/>
-          <p:nvPr/>
-        </p:nvSpPr>
-        <p:spPr>
-          <a:xfrm>
-            <a:off x="2827020" y="3079750"/>
-            <a:ext cx="881380" cy="368300"/>
-          </a:xfrm>
-          <a:prstGeom prst="rect">
-            <a:avLst/>
-          </a:prstGeom>
-          <a:noFill/>
-        </p:spPr>
-        <p:txBody>
-          <a:bodyPr wrap="none" rtlCol="0">
-            <a:spAutoFit/>
-          </a:bodyPr>
-          <a:p>
-            <a:pPr algn="l"/>
-            <a:r>
-              <a:rPr lang="zh-CN" altLang="en-US">
-                <a:solidFill>
-                  <a:schemeClr val="bg1"/>
-                </a:solidFill>
-                <a:latin typeface="Arial Black" panose="020B0A04020102020204" charset="0"/>
-                <a:ea typeface="黑体" panose="02010609060101010101" charset="-122"/>
-                <a:cs typeface="Arial Black" panose="020B0A04020102020204" charset="0"/>
-              </a:rPr>
-              <a:t>step</a:t>
-            </a:r>
-            <a:r>
-              <a:rPr lang="en-US" altLang="zh-CN">
-                <a:solidFill>
-                  <a:schemeClr val="bg1"/>
-                </a:solidFill>
-                <a:latin typeface="Arial Black" panose="020B0A04020102020204" charset="0"/>
-                <a:ea typeface="黑体" panose="02010609060101010101" charset="-122"/>
-                <a:cs typeface="Arial Black" panose="020B0A04020102020204" charset="0"/>
-              </a:rPr>
-              <a:t>2</a:t>
-            </a:r>
-            <a:endParaRPr lang="en-US" altLang="zh-CN">
-              <a:solidFill>
-                <a:schemeClr val="bg1"/>
-              </a:solidFill>
-              <a:latin typeface="Arial Black" panose="020B0A04020102020204" charset="0"/>
-              <a:ea typeface="黑体" panose="02010609060101010101" charset="-122"/>
-              <a:cs typeface="Arial Black" panose="020B0A04020102020204" charset="0"/>
-            </a:endParaRPr>
-          </a:p>
-        </p:txBody>
-      </p:sp>
-      <p:sp>
-        <p:nvSpPr>
-          <p:cNvPr id="14" name="文本框 13"/>
-          <p:cNvSpPr txBox="1"/>
-          <p:nvPr/>
-        </p:nvSpPr>
-        <p:spPr>
-          <a:xfrm>
-            <a:off x="4274820" y="3079750"/>
-            <a:ext cx="881380" cy="368300"/>
-          </a:xfrm>
-          <a:prstGeom prst="rect">
-            <a:avLst/>
-          </a:prstGeom>
-          <a:noFill/>
-        </p:spPr>
-        <p:txBody>
-          <a:bodyPr wrap="none" rtlCol="0">
-            <a:spAutoFit/>
-          </a:bodyPr>
-          <a:p>
-            <a:pPr algn="l"/>
-            <a:r>
-              <a:rPr lang="zh-CN" altLang="en-US">
-                <a:solidFill>
-                  <a:schemeClr val="bg1"/>
-                </a:solidFill>
-                <a:latin typeface="Arial Black" panose="020B0A04020102020204" charset="0"/>
-                <a:ea typeface="黑体" panose="02010609060101010101" charset="-122"/>
-                <a:cs typeface="Arial Black" panose="020B0A04020102020204" charset="0"/>
-              </a:rPr>
-              <a:t>step</a:t>
-            </a:r>
-            <a:r>
-              <a:rPr lang="en-US" altLang="zh-CN">
-                <a:solidFill>
-                  <a:schemeClr val="bg1"/>
-                </a:solidFill>
-                <a:latin typeface="Arial Black" panose="020B0A04020102020204" charset="0"/>
-                <a:ea typeface="黑体" panose="02010609060101010101" charset="-122"/>
-                <a:cs typeface="Arial Black" panose="020B0A04020102020204" charset="0"/>
-              </a:rPr>
-              <a:t>3</a:t>
-            </a:r>
-            <a:endParaRPr lang="en-US" altLang="zh-CN">
-              <a:solidFill>
-                <a:schemeClr val="bg1"/>
-              </a:solidFill>
-              <a:latin typeface="Arial Black" panose="020B0A04020102020204" charset="0"/>
-              <a:ea typeface="黑体" panose="02010609060101010101" charset="-122"/>
-              <a:cs typeface="Arial Black" panose="020B0A04020102020204" charset="0"/>
-            </a:endParaRPr>
-          </a:p>
-        </p:txBody>
-      </p:sp>
-      <p:sp>
-        <p:nvSpPr>
-          <p:cNvPr id="15" name="文本框 14"/>
-          <p:cNvSpPr txBox="1"/>
-          <p:nvPr/>
-        </p:nvSpPr>
-        <p:spPr>
-          <a:xfrm>
-            <a:off x="5722620" y="3079750"/>
-            <a:ext cx="881380" cy="368300"/>
-          </a:xfrm>
-          <a:prstGeom prst="rect">
-            <a:avLst/>
-          </a:prstGeom>
-          <a:noFill/>
-        </p:spPr>
-        <p:txBody>
-          <a:bodyPr wrap="none" rtlCol="0">
-            <a:spAutoFit/>
-          </a:bodyPr>
-          <a:p>
-            <a:pPr algn="l"/>
-            <a:r>
-              <a:rPr lang="zh-CN" altLang="en-US">
-                <a:solidFill>
-                  <a:schemeClr val="bg1"/>
-                </a:solidFill>
-                <a:latin typeface="Arial Black" panose="020B0A04020102020204" charset="0"/>
-                <a:ea typeface="黑体" panose="02010609060101010101" charset="-122"/>
-                <a:cs typeface="Arial Black" panose="020B0A04020102020204" charset="0"/>
-              </a:rPr>
-              <a:t>step</a:t>
-            </a:r>
-            <a:r>
-              <a:rPr lang="en-US" altLang="zh-CN">
-                <a:solidFill>
-                  <a:schemeClr val="bg1"/>
-                </a:solidFill>
-                <a:latin typeface="Arial Black" panose="020B0A04020102020204" charset="0"/>
-                <a:ea typeface="黑体" panose="02010609060101010101" charset="-122"/>
-                <a:cs typeface="Arial Black" panose="020B0A04020102020204" charset="0"/>
-              </a:rPr>
-              <a:t>4</a:t>
-            </a:r>
-            <a:endParaRPr lang="en-US" altLang="zh-CN">
-              <a:solidFill>
-                <a:schemeClr val="bg1"/>
-              </a:solidFill>
-              <a:latin typeface="Arial Black" panose="020B0A04020102020204" charset="0"/>
-              <a:ea typeface="黑体" panose="02010609060101010101" charset="-122"/>
-              <a:cs typeface="Arial Black" panose="020B0A04020102020204" charset="0"/>
-            </a:endParaRPr>
-          </a:p>
-        </p:txBody>
-      </p:sp>
-      <p:sp>
-        <p:nvSpPr>
-          <p:cNvPr id="16" name="文本框 15"/>
-          <p:cNvSpPr txBox="1"/>
-          <p:nvPr/>
-        </p:nvSpPr>
-        <p:spPr>
-          <a:xfrm>
-            <a:off x="7170420" y="3079750"/>
-            <a:ext cx="881380" cy="368300"/>
-          </a:xfrm>
-          <a:prstGeom prst="rect">
-            <a:avLst/>
-          </a:prstGeom>
-          <a:noFill/>
-        </p:spPr>
-        <p:txBody>
-          <a:bodyPr wrap="none" rtlCol="0">
-            <a:spAutoFit/>
-          </a:bodyPr>
-          <a:p>
-            <a:pPr algn="l"/>
-            <a:r>
-              <a:rPr lang="zh-CN" altLang="en-US">
-                <a:solidFill>
-                  <a:schemeClr val="bg1"/>
-                </a:solidFill>
-                <a:latin typeface="Arial Black" panose="020B0A04020102020204" charset="0"/>
-                <a:ea typeface="黑体" panose="02010609060101010101" charset="-122"/>
-                <a:cs typeface="Arial Black" panose="020B0A04020102020204" charset="0"/>
-              </a:rPr>
-              <a:t>step</a:t>
-            </a:r>
-            <a:r>
-              <a:rPr lang="en-US" altLang="zh-CN">
-                <a:solidFill>
-                  <a:schemeClr val="bg1"/>
-                </a:solidFill>
-                <a:latin typeface="Arial Black" panose="020B0A04020102020204" charset="0"/>
-                <a:ea typeface="黑体" panose="02010609060101010101" charset="-122"/>
-                <a:cs typeface="Arial Black" panose="020B0A04020102020204" charset="0"/>
-              </a:rPr>
-              <a:t>5</a:t>
-            </a:r>
-            <a:endParaRPr lang="en-US" altLang="zh-CN">
-              <a:solidFill>
-                <a:schemeClr val="bg1"/>
-              </a:solidFill>
-              <a:latin typeface="Arial Black" panose="020B0A04020102020204" charset="0"/>
-              <a:ea typeface="黑体" panose="02010609060101010101" charset="-122"/>
-              <a:cs typeface="Arial Black" panose="020B0A04020102020204" charset="0"/>
-            </a:endParaRPr>
-          </a:p>
-        </p:txBody>
-      </p:sp>
-      <p:sp>
-        <p:nvSpPr>
-          <p:cNvPr id="17" name="文本框 16"/>
-          <p:cNvSpPr txBox="1"/>
-          <p:nvPr/>
-        </p:nvSpPr>
-        <p:spPr>
-          <a:xfrm>
-            <a:off x="8630920" y="3079750"/>
-            <a:ext cx="881380" cy="368300"/>
-          </a:xfrm>
-          <a:prstGeom prst="rect">
-            <a:avLst/>
-          </a:prstGeom>
-          <a:noFill/>
-        </p:spPr>
-        <p:txBody>
-          <a:bodyPr wrap="none" rtlCol="0">
-            <a:spAutoFit/>
-          </a:bodyPr>
-          <a:p>
-            <a:pPr algn="l"/>
-            <a:r>
-              <a:rPr lang="zh-CN" altLang="en-US">
-                <a:solidFill>
-                  <a:schemeClr val="bg1"/>
-                </a:solidFill>
-                <a:latin typeface="Arial Black" panose="020B0A04020102020204" charset="0"/>
-                <a:ea typeface="黑体" panose="02010609060101010101" charset="-122"/>
-                <a:cs typeface="Arial Black" panose="020B0A04020102020204" charset="0"/>
-              </a:rPr>
-              <a:t>step</a:t>
-            </a:r>
-            <a:r>
-              <a:rPr lang="en-US" altLang="zh-CN">
-                <a:solidFill>
-                  <a:schemeClr val="bg1"/>
-                </a:solidFill>
-                <a:latin typeface="Arial Black" panose="020B0A04020102020204" charset="0"/>
-                <a:ea typeface="黑体" panose="02010609060101010101" charset="-122"/>
-                <a:cs typeface="Arial Black" panose="020B0A04020102020204" charset="0"/>
-              </a:rPr>
-              <a:t>6</a:t>
-            </a:r>
-            <a:endParaRPr lang="en-US" altLang="zh-CN">
-              <a:solidFill>
-                <a:schemeClr val="bg1"/>
-              </a:solidFill>
-              <a:latin typeface="Arial Black" panose="020B0A04020102020204" charset="0"/>
-              <a:ea typeface="黑体" panose="02010609060101010101" charset="-122"/>
-              <a:cs typeface="Arial Black" panose="020B0A04020102020204" charset="0"/>
-            </a:endParaRPr>
-          </a:p>
-        </p:txBody>
-      </p:sp>
-      <p:sp>
-        <p:nvSpPr>
-          <p:cNvPr id="18" name="文本框 17"/>
-          <p:cNvSpPr txBox="1"/>
-          <p:nvPr/>
-        </p:nvSpPr>
-        <p:spPr>
-          <a:xfrm>
-            <a:off x="10066020" y="3079750"/>
-            <a:ext cx="881380" cy="368300"/>
-          </a:xfrm>
-          <a:prstGeom prst="rect">
-            <a:avLst/>
-          </a:prstGeom>
-          <a:noFill/>
-        </p:spPr>
-        <p:txBody>
-          <a:bodyPr wrap="none" rtlCol="0">
-            <a:spAutoFit/>
-          </a:bodyPr>
-          <a:p>
-            <a:pPr algn="l"/>
-            <a:r>
-              <a:rPr lang="zh-CN" altLang="en-US">
-                <a:solidFill>
-                  <a:schemeClr val="bg1"/>
-                </a:solidFill>
-                <a:latin typeface="Arial Black" panose="020B0A04020102020204" charset="0"/>
-                <a:ea typeface="黑体" panose="02010609060101010101" charset="-122"/>
-                <a:cs typeface="Arial Black" panose="020B0A04020102020204" charset="0"/>
-              </a:rPr>
-              <a:t>step</a:t>
-            </a:r>
-            <a:r>
-              <a:rPr lang="en-US" altLang="zh-CN">
-                <a:solidFill>
-                  <a:schemeClr val="bg1"/>
-                </a:solidFill>
-                <a:latin typeface="Arial Black" panose="020B0A04020102020204" charset="0"/>
-                <a:ea typeface="黑体" panose="02010609060101010101" charset="-122"/>
-                <a:cs typeface="Arial Black" panose="020B0A04020102020204" charset="0"/>
-              </a:rPr>
-              <a:t>7</a:t>
-            </a:r>
-            <a:endParaRPr lang="en-US" altLang="zh-CN">
-              <a:solidFill>
-                <a:schemeClr val="bg1"/>
-              </a:solidFill>
-              <a:latin typeface="Arial Black" panose="020B0A04020102020204" charset="0"/>
-              <a:ea typeface="黑体" panose="02010609060101010101" charset="-122"/>
-              <a:cs typeface="Arial Black" panose="020B0A04020102020204" charset="0"/>
-            </a:endParaRPr>
-          </a:p>
-        </p:txBody>
-      </p:sp>
-      <p:sp>
-        <p:nvSpPr>
-          <p:cNvPr id="19" name="文本框 18"/>
-          <p:cNvSpPr txBox="1"/>
-          <p:nvPr/>
-        </p:nvSpPr>
-        <p:spPr>
-          <a:xfrm>
-            <a:off x="1558290" y="1336675"/>
-            <a:ext cx="412750" cy="1198880"/>
-          </a:xfrm>
-          <a:prstGeom prst="rect">
-            <a:avLst/>
-          </a:prstGeom>
-          <a:noFill/>
-        </p:spPr>
-        <p:txBody>
-          <a:bodyPr wrap="none" rtlCol="0">
-            <a:spAutoFit/>
-          </a:bodyPr>
-          <a:p>
-            <a:r>
-              <a:rPr lang="zh-CN" altLang="en-US" b="1">
-                <a:solidFill>
-                  <a:schemeClr val="bg1"/>
-                </a:solidFill>
-              </a:rPr>
-              <a:t>需</a:t>
-            </a:r>
-            <a:endParaRPr lang="zh-CN" altLang="en-US" b="1">
-              <a:solidFill>
-                <a:schemeClr val="bg1"/>
-              </a:solidFill>
-            </a:endParaRPr>
-          </a:p>
-          <a:p>
-            <a:r>
-              <a:rPr lang="zh-CN" altLang="en-US" b="1">
-                <a:solidFill>
-                  <a:schemeClr val="bg1"/>
-                </a:solidFill>
-              </a:rPr>
-              <a:t>求</a:t>
-            </a:r>
-            <a:endParaRPr lang="zh-CN" altLang="en-US" b="1">
-              <a:solidFill>
-                <a:schemeClr val="bg1"/>
-              </a:solidFill>
-            </a:endParaRPr>
-          </a:p>
-          <a:p>
-            <a:r>
-              <a:rPr lang="zh-CN" altLang="en-US" b="1">
-                <a:solidFill>
-                  <a:schemeClr val="bg1"/>
-                </a:solidFill>
-              </a:rPr>
-              <a:t>分</a:t>
-            </a:r>
-            <a:endParaRPr lang="zh-CN" altLang="en-US" b="1">
-              <a:solidFill>
-                <a:schemeClr val="bg1"/>
-              </a:solidFill>
-            </a:endParaRPr>
-          </a:p>
-          <a:p>
-            <a:r>
-              <a:rPr lang="zh-CN" altLang="en-US" b="1">
-                <a:solidFill>
-                  <a:schemeClr val="bg1"/>
-                </a:solidFill>
-              </a:rPr>
-              <a:t>析</a:t>
-            </a:r>
-            <a:endParaRPr lang="zh-CN" altLang="en-US" b="1">
-              <a:solidFill>
-                <a:schemeClr val="bg1"/>
-              </a:solidFill>
-            </a:endParaRPr>
-          </a:p>
-        </p:txBody>
-      </p:sp>
-      <p:sp>
-        <p:nvSpPr>
-          <p:cNvPr id="20" name="文本框 19"/>
-          <p:cNvSpPr txBox="1"/>
-          <p:nvPr/>
-        </p:nvSpPr>
-        <p:spPr>
-          <a:xfrm>
-            <a:off x="2057400" y="1064260"/>
-            <a:ext cx="1956435" cy="1198880"/>
-          </a:xfrm>
-          <a:prstGeom prst="rect">
-            <a:avLst/>
-          </a:prstGeom>
-          <a:noFill/>
-        </p:spPr>
-        <p:txBody>
-          <a:bodyPr wrap="none" rtlCol="0">
-            <a:spAutoFit/>
-          </a:bodyPr>
-          <a:p>
-            <a:pPr algn="l"/>
-            <a:r>
-              <a:rPr lang="zh-CN" altLang="en-US"/>
-              <a:t>1.可行性分析报告</a:t>
-            </a:r>
-            <a:endParaRPr lang="zh-CN" altLang="en-US"/>
-          </a:p>
-          <a:p>
-            <a:pPr algn="l"/>
-            <a:r>
-              <a:rPr lang="zh-CN" altLang="en-US"/>
-              <a:t>2.概要设计说明说</a:t>
-            </a:r>
-            <a:endParaRPr lang="zh-CN" altLang="en-US"/>
-          </a:p>
-          <a:p>
-            <a:pPr algn="l"/>
-            <a:r>
-              <a:rPr lang="zh-CN" altLang="en-US"/>
-              <a:t>3.版本迭代计划</a:t>
-            </a:r>
-            <a:endParaRPr lang="zh-CN" altLang="en-US"/>
-          </a:p>
-          <a:p>
-            <a:pPr algn="l"/>
-            <a:r>
-              <a:rPr lang="zh-CN" altLang="en-US"/>
-              <a:t>4.版本测试策略</a:t>
-            </a:r>
-            <a:endParaRPr lang="zh-CN" altLang="en-US"/>
-          </a:p>
-        </p:txBody>
-      </p:sp>
-      <p:sp>
-        <p:nvSpPr>
-          <p:cNvPr id="21" name="燕尾形 20"/>
-          <p:cNvSpPr/>
-          <p:nvPr/>
-        </p:nvSpPr>
-        <p:spPr>
-          <a:xfrm rot="5400000">
-            <a:off x="2395855" y="4381500"/>
-            <a:ext cx="1743075" cy="421640"/>
-          </a:xfrm>
-          <a:prstGeom prst="chevron">
-            <a:avLst/>
-          </a:prstGeom>
-          <a:solidFill>
-            <a:srgbClr val="D7DD27"/>
-          </a:solidFill>
-        </p:spPr>
-        <p:style>
-          <a:lnRef idx="2">
-            <a:schemeClr val="accent1">
-              <a:shade val="50000"/>
-            </a:schemeClr>
-          </a:lnRef>
-          <a:fillRef idx="1">
-            <a:schemeClr val="accent1"/>
-          </a:fillRef>
-          <a:effectRef idx="0">
-            <a:schemeClr val="accent1"/>
-          </a:effectRef>
-          <a:fontRef idx="minor">
-            <a:schemeClr val="lt1"/>
-          </a:fontRef>
-        </p:style>
-        <p:txBody>
-          <a:bodyPr rtlCol="0" anchor="ctr"/>
-          <a:p>
-            <a:pPr algn="ctr"/>
-            <a:endParaRPr lang="zh-CN" altLang="en-US"/>
-          </a:p>
-        </p:txBody>
-      </p:sp>
-      <p:sp>
-        <p:nvSpPr>
-          <p:cNvPr id="22" name="文本框 21"/>
-          <p:cNvSpPr txBox="1"/>
-          <p:nvPr/>
-        </p:nvSpPr>
-        <p:spPr>
-          <a:xfrm>
-            <a:off x="3067050" y="3993515"/>
-            <a:ext cx="412750" cy="1198880"/>
-          </a:xfrm>
-          <a:prstGeom prst="rect">
-            <a:avLst/>
-          </a:prstGeom>
-          <a:noFill/>
-        </p:spPr>
-        <p:txBody>
-          <a:bodyPr wrap="none" rtlCol="0">
-            <a:spAutoFit/>
-          </a:bodyPr>
-          <a:p>
-            <a:r>
-              <a:rPr lang="zh-CN" altLang="en-US" b="1">
-                <a:solidFill>
-                  <a:schemeClr val="bg1"/>
-                </a:solidFill>
-              </a:rPr>
-              <a:t>需</a:t>
-            </a:r>
-            <a:endParaRPr lang="zh-CN" altLang="en-US" b="1">
-              <a:solidFill>
-                <a:schemeClr val="bg1"/>
-              </a:solidFill>
-            </a:endParaRPr>
-          </a:p>
-          <a:p>
-            <a:r>
-              <a:rPr lang="zh-CN" altLang="en-US" b="1">
-                <a:solidFill>
-                  <a:schemeClr val="bg1"/>
-                </a:solidFill>
-              </a:rPr>
-              <a:t>求</a:t>
-            </a:r>
-            <a:endParaRPr lang="zh-CN" altLang="en-US" b="1">
-              <a:solidFill>
-                <a:schemeClr val="bg1"/>
-              </a:solidFill>
-            </a:endParaRPr>
-          </a:p>
-          <a:p>
-            <a:r>
-              <a:rPr lang="zh-CN" altLang="en-US" b="1">
-                <a:solidFill>
-                  <a:schemeClr val="bg1"/>
-                </a:solidFill>
-              </a:rPr>
-              <a:t>分</a:t>
-            </a:r>
-            <a:endParaRPr lang="zh-CN" altLang="en-US" b="1">
-              <a:solidFill>
-                <a:schemeClr val="bg1"/>
-              </a:solidFill>
-            </a:endParaRPr>
-          </a:p>
-          <a:p>
-            <a:r>
-              <a:rPr lang="zh-CN" altLang="en-US" b="1">
-                <a:solidFill>
-                  <a:schemeClr val="bg1"/>
-                </a:solidFill>
-              </a:rPr>
-              <a:t>析</a:t>
-            </a:r>
-            <a:endParaRPr lang="zh-CN" altLang="en-US" b="1">
-              <a:solidFill>
-                <a:schemeClr val="bg1"/>
-              </a:solidFill>
-            </a:endParaRPr>
-          </a:p>
-        </p:txBody>
-      </p:sp>
-      <p:sp>
-        <p:nvSpPr>
-          <p:cNvPr id="23" name="文本框 22"/>
-          <p:cNvSpPr txBox="1"/>
-          <p:nvPr/>
-        </p:nvSpPr>
-        <p:spPr>
-          <a:xfrm>
-            <a:off x="2400300" y="5464175"/>
-            <a:ext cx="2755900" cy="1198880"/>
-          </a:xfrm>
-          <a:prstGeom prst="rect">
-            <a:avLst/>
-          </a:prstGeom>
-          <a:noFill/>
-        </p:spPr>
-        <p:txBody>
-          <a:bodyPr wrap="square" rtlCol="0" anchor="t">
-            <a:spAutoFit/>
-          </a:bodyPr>
-          <a:p>
-            <a:r>
-              <a:rPr lang="zh-CN" altLang="en-US"/>
-              <a:t>1.编码规范</a:t>
-            </a:r>
-            <a:endParaRPr lang="zh-CN" altLang="en-US"/>
-          </a:p>
-          <a:p>
-            <a:r>
-              <a:rPr lang="zh-CN" altLang="en-US"/>
-              <a:t>2.接口规范，返回码规范</a:t>
-            </a:r>
-            <a:endParaRPr lang="zh-CN" altLang="en-US"/>
-          </a:p>
-          <a:p>
-            <a:r>
-              <a:rPr lang="zh-CN" altLang="en-US"/>
-              <a:t>3.单元测试</a:t>
-            </a:r>
-            <a:endParaRPr lang="zh-CN" altLang="en-US"/>
-          </a:p>
-          <a:p>
-            <a:r>
-              <a:rPr lang="zh-CN" altLang="en-US"/>
-              <a:t>4.代码走查</a:t>
-            </a:r>
-            <a:endParaRPr lang="zh-CN" altLang="en-US"/>
-          </a:p>
-        </p:txBody>
-      </p:sp>
-      <p:sp>
-        <p:nvSpPr>
-          <p:cNvPr id="24" name="燕尾形 23"/>
-          <p:cNvSpPr/>
-          <p:nvPr/>
-        </p:nvSpPr>
-        <p:spPr>
-          <a:xfrm rot="16200000">
-            <a:off x="3821430" y="1724660"/>
-            <a:ext cx="1743075" cy="421640"/>
-          </a:xfrm>
-          <a:prstGeom prst="chevron">
-            <a:avLst/>
-          </a:prstGeom>
-          <a:solidFill>
-            <a:srgbClr val="FDAD3A"/>
-          </a:solidFill>
-        </p:spPr>
-        <p:style>
-          <a:lnRef idx="2">
-            <a:schemeClr val="accent1">
-              <a:shade val="50000"/>
-            </a:schemeClr>
-          </a:lnRef>
-          <a:fillRef idx="1">
-            <a:schemeClr val="accent1"/>
-          </a:fillRef>
-          <a:effectRef idx="0">
-            <a:schemeClr val="accent1"/>
-          </a:effectRef>
-          <a:fontRef idx="minor">
-            <a:schemeClr val="lt1"/>
-          </a:fontRef>
-        </p:style>
-        <p:txBody>
-          <a:bodyPr rtlCol="0" anchor="ctr"/>
-          <a:p>
-            <a:pPr algn="ctr"/>
-            <a:endParaRPr lang="zh-CN" altLang="en-US"/>
-          </a:p>
-        </p:txBody>
-      </p:sp>
-      <p:sp>
-        <p:nvSpPr>
-          <p:cNvPr id="25" name="文本框 24"/>
-          <p:cNvSpPr txBox="1"/>
-          <p:nvPr/>
-        </p:nvSpPr>
-        <p:spPr>
-          <a:xfrm>
-            <a:off x="4482465" y="1617980"/>
-            <a:ext cx="412750" cy="645160"/>
-          </a:xfrm>
-          <a:prstGeom prst="rect">
-            <a:avLst/>
-          </a:prstGeom>
-          <a:noFill/>
-        </p:spPr>
-        <p:txBody>
-          <a:bodyPr wrap="none" rtlCol="0">
-            <a:spAutoFit/>
-          </a:bodyPr>
-          <a:p>
-            <a:r>
-              <a:rPr lang="zh-CN" altLang="en-US" b="1">
-                <a:solidFill>
-                  <a:schemeClr val="bg1"/>
-                </a:solidFill>
-              </a:rPr>
-              <a:t>测</a:t>
-            </a:r>
-            <a:endParaRPr lang="zh-CN" altLang="en-US" b="1">
-              <a:solidFill>
-                <a:schemeClr val="bg1"/>
-              </a:solidFill>
-            </a:endParaRPr>
-          </a:p>
-          <a:p>
-            <a:r>
-              <a:rPr lang="zh-CN" altLang="en-US" b="1">
-                <a:solidFill>
-                  <a:schemeClr val="bg1"/>
-                </a:solidFill>
-              </a:rPr>
-              <a:t>试</a:t>
-            </a:r>
-            <a:endParaRPr lang="zh-CN" altLang="en-US" b="1">
-              <a:solidFill>
-                <a:schemeClr val="bg1"/>
-              </a:solidFill>
-            </a:endParaRPr>
-          </a:p>
-        </p:txBody>
-      </p:sp>
-      <p:sp>
-        <p:nvSpPr>
-          <p:cNvPr id="26" name="文本框 25"/>
-          <p:cNvSpPr txBox="1"/>
-          <p:nvPr/>
-        </p:nvSpPr>
-        <p:spPr>
-          <a:xfrm>
-            <a:off x="4904105" y="1053465"/>
-            <a:ext cx="2540000" cy="1753235"/>
-          </a:xfrm>
-          <a:prstGeom prst="rect">
-            <a:avLst/>
-          </a:prstGeom>
-          <a:noFill/>
-        </p:spPr>
-        <p:txBody>
-          <a:bodyPr wrap="square" rtlCol="0" anchor="t">
-            <a:spAutoFit/>
-          </a:bodyPr>
-          <a:p>
-            <a:r>
-              <a:rPr lang="zh-CN" altLang="en-US"/>
-              <a:t>1.版本控制</a:t>
-            </a:r>
-            <a:endParaRPr lang="zh-CN" altLang="en-US"/>
-          </a:p>
-          <a:p>
-            <a:r>
-              <a:rPr lang="zh-CN" altLang="en-US"/>
-              <a:t>2.提测规范</a:t>
-            </a:r>
-            <a:endParaRPr lang="zh-CN" altLang="en-US"/>
-          </a:p>
-          <a:p>
-            <a:r>
-              <a:rPr lang="zh-CN" altLang="en-US"/>
-              <a:t>3.测试用例</a:t>
-            </a:r>
-            <a:endParaRPr lang="zh-CN" altLang="en-US"/>
-          </a:p>
-          <a:p>
-            <a:r>
-              <a:rPr lang="zh-CN" altLang="en-US"/>
-              <a:t>4.测试环境</a:t>
-            </a:r>
-            <a:endParaRPr lang="zh-CN" altLang="en-US"/>
-          </a:p>
-          <a:p>
-            <a:r>
-              <a:rPr lang="zh-CN" altLang="en-US"/>
-              <a:t>5.接口测试</a:t>
-            </a:r>
-            <a:endParaRPr lang="zh-CN" altLang="en-US"/>
-          </a:p>
-          <a:p>
-            <a:r>
-              <a:rPr lang="zh-CN" altLang="en-US"/>
-              <a:t>6.系统测试</a:t>
-            </a:r>
-            <a:endParaRPr lang="zh-CN" altLang="en-US"/>
-          </a:p>
-        </p:txBody>
-      </p:sp>
-      <p:sp>
-        <p:nvSpPr>
-          <p:cNvPr id="27" name="燕尾形 26"/>
-          <p:cNvSpPr/>
-          <p:nvPr/>
-        </p:nvSpPr>
-        <p:spPr>
-          <a:xfrm rot="5400000">
-            <a:off x="5218430" y="4380865"/>
-            <a:ext cx="1743075" cy="421640"/>
-          </a:xfrm>
-          <a:prstGeom prst="chevron">
-            <a:avLst/>
-          </a:prstGeom>
-          <a:solidFill>
-            <a:srgbClr val="F5591F"/>
-          </a:solidFill>
-        </p:spPr>
-        <p:style>
-          <a:lnRef idx="2">
-            <a:schemeClr val="accent1">
-              <a:shade val="50000"/>
-            </a:schemeClr>
-          </a:lnRef>
-          <a:fillRef idx="1">
-            <a:schemeClr val="accent1"/>
-          </a:fillRef>
-          <a:effectRef idx="0">
-            <a:schemeClr val="accent1"/>
-          </a:effectRef>
-          <a:fontRef idx="minor">
-            <a:schemeClr val="lt1"/>
-          </a:fontRef>
-        </p:style>
-        <p:txBody>
-          <a:bodyPr rtlCol="0" anchor="ctr"/>
-          <a:p>
-            <a:pPr algn="ctr"/>
-            <a:endParaRPr lang="zh-CN" altLang="en-US"/>
-          </a:p>
-        </p:txBody>
-      </p:sp>
-      <p:sp>
-        <p:nvSpPr>
-          <p:cNvPr id="28" name="文本框 27"/>
-          <p:cNvSpPr txBox="1"/>
-          <p:nvPr/>
-        </p:nvSpPr>
-        <p:spPr>
-          <a:xfrm>
-            <a:off x="5879465" y="4271010"/>
-            <a:ext cx="412750" cy="645160"/>
-          </a:xfrm>
-          <a:prstGeom prst="rect">
-            <a:avLst/>
-          </a:prstGeom>
-          <a:noFill/>
-        </p:spPr>
-        <p:txBody>
-          <a:bodyPr wrap="none" rtlCol="0">
-            <a:spAutoFit/>
-          </a:bodyPr>
-          <a:p>
-            <a:r>
-              <a:rPr lang="zh-CN" altLang="en-US" b="1">
-                <a:solidFill>
-                  <a:schemeClr val="bg1"/>
-                </a:solidFill>
-              </a:rPr>
-              <a:t>验</a:t>
-            </a:r>
-            <a:endParaRPr lang="zh-CN" altLang="en-US" b="1">
-              <a:solidFill>
-                <a:schemeClr val="bg1"/>
-              </a:solidFill>
-            </a:endParaRPr>
-          </a:p>
-          <a:p>
-            <a:r>
-              <a:rPr lang="zh-CN" altLang="en-US" b="1">
-                <a:solidFill>
-                  <a:schemeClr val="bg1"/>
-                </a:solidFill>
-              </a:rPr>
-              <a:t>收</a:t>
-            </a:r>
-            <a:endParaRPr lang="zh-CN" altLang="en-US" b="1">
-              <a:solidFill>
-                <a:schemeClr val="bg1"/>
-              </a:solidFill>
-            </a:endParaRPr>
-          </a:p>
-        </p:txBody>
-      </p:sp>
-      <p:sp>
-        <p:nvSpPr>
-          <p:cNvPr id="29" name="燕尾形 28"/>
-          <p:cNvSpPr/>
-          <p:nvPr/>
-        </p:nvSpPr>
-        <p:spPr>
-          <a:xfrm rot="5400000">
-            <a:off x="8199755" y="4382135"/>
-            <a:ext cx="1743075" cy="421640"/>
-          </a:xfrm>
-          <a:prstGeom prst="chevron">
-            <a:avLst/>
-          </a:prstGeom>
-          <a:solidFill>
-            <a:srgbClr val="3AB149"/>
-          </a:solidFill>
-        </p:spPr>
-        <p:style>
-          <a:lnRef idx="2">
-            <a:schemeClr val="accent1">
-              <a:shade val="50000"/>
-            </a:schemeClr>
-          </a:lnRef>
-          <a:fillRef idx="1">
-            <a:schemeClr val="accent1"/>
-          </a:fillRef>
-          <a:effectRef idx="0">
-            <a:schemeClr val="accent1"/>
-          </a:effectRef>
-          <a:fontRef idx="minor">
-            <a:schemeClr val="lt1"/>
-          </a:fontRef>
-        </p:style>
-        <p:txBody>
-          <a:bodyPr rtlCol="0" anchor="ctr"/>
-          <a:p>
-            <a:pPr algn="ctr"/>
-            <a:endParaRPr lang="zh-CN" altLang="en-US"/>
-          </a:p>
-        </p:txBody>
-      </p:sp>
-      <p:sp>
-        <p:nvSpPr>
-          <p:cNvPr id="30" name="文本框 29"/>
-          <p:cNvSpPr txBox="1"/>
-          <p:nvPr/>
-        </p:nvSpPr>
-        <p:spPr>
-          <a:xfrm>
-            <a:off x="8870950" y="3994150"/>
-            <a:ext cx="412750" cy="1198880"/>
-          </a:xfrm>
-          <a:prstGeom prst="rect">
-            <a:avLst/>
-          </a:prstGeom>
-          <a:noFill/>
-        </p:spPr>
-        <p:txBody>
-          <a:bodyPr wrap="none" rtlCol="0">
-            <a:spAutoFit/>
-          </a:bodyPr>
-          <a:p>
-            <a:r>
-              <a:rPr lang="zh-CN" altLang="en-US" b="1">
-                <a:solidFill>
-                  <a:schemeClr val="bg1"/>
-                </a:solidFill>
-              </a:rPr>
-              <a:t>正</a:t>
-            </a:r>
-            <a:endParaRPr lang="zh-CN" altLang="en-US" b="1">
-              <a:solidFill>
-                <a:schemeClr val="bg1"/>
-              </a:solidFill>
-            </a:endParaRPr>
-          </a:p>
-          <a:p>
-            <a:r>
-              <a:rPr lang="zh-CN" altLang="en-US" b="1">
-                <a:solidFill>
-                  <a:schemeClr val="bg1"/>
-                </a:solidFill>
-              </a:rPr>
-              <a:t>式</a:t>
-            </a:r>
-            <a:endParaRPr lang="zh-CN" altLang="en-US" b="1">
-              <a:solidFill>
-                <a:schemeClr val="bg1"/>
-              </a:solidFill>
-            </a:endParaRPr>
-          </a:p>
-          <a:p>
-            <a:r>
-              <a:rPr lang="zh-CN" altLang="en-US" b="1">
-                <a:solidFill>
-                  <a:schemeClr val="bg1"/>
-                </a:solidFill>
-              </a:rPr>
-              <a:t>运</a:t>
-            </a:r>
-            <a:endParaRPr lang="zh-CN" altLang="en-US" b="1">
-              <a:solidFill>
-                <a:schemeClr val="bg1"/>
-              </a:solidFill>
-            </a:endParaRPr>
-          </a:p>
-          <a:p>
-            <a:r>
-              <a:rPr lang="zh-CN" altLang="en-US" b="1">
-                <a:solidFill>
-                  <a:schemeClr val="bg1"/>
-                </a:solidFill>
-              </a:rPr>
-              <a:t>行</a:t>
-            </a:r>
-            <a:endParaRPr lang="zh-CN" altLang="en-US" b="1">
-              <a:solidFill>
-                <a:schemeClr val="bg1"/>
-              </a:solidFill>
-            </a:endParaRPr>
-          </a:p>
-        </p:txBody>
-      </p:sp>
-      <p:sp>
-        <p:nvSpPr>
-          <p:cNvPr id="31" name="燕尾形 30"/>
-          <p:cNvSpPr/>
-          <p:nvPr/>
-        </p:nvSpPr>
-        <p:spPr>
-          <a:xfrm rot="16200000">
-            <a:off x="6722745" y="1729740"/>
-            <a:ext cx="1743075" cy="421640"/>
-          </a:xfrm>
-          <a:prstGeom prst="chevron">
-            <a:avLst/>
-          </a:prstGeom>
-          <a:solidFill>
-            <a:srgbClr val="BB99CB"/>
-          </a:solidFill>
-        </p:spPr>
-        <p:style>
-          <a:lnRef idx="2">
-            <a:schemeClr val="accent1">
-              <a:shade val="50000"/>
-            </a:schemeClr>
-          </a:lnRef>
-          <a:fillRef idx="1">
-            <a:schemeClr val="accent1"/>
-          </a:fillRef>
-          <a:effectRef idx="0">
-            <a:schemeClr val="accent1"/>
-          </a:effectRef>
-          <a:fontRef idx="minor">
-            <a:schemeClr val="lt1"/>
-          </a:fontRef>
-        </p:style>
-        <p:txBody>
-          <a:bodyPr rtlCol="0" anchor="ctr"/>
-          <a:p>
-            <a:pPr algn="ctr"/>
-            <a:endParaRPr lang="zh-CN" altLang="en-US"/>
-          </a:p>
-        </p:txBody>
-      </p:sp>
-      <p:sp>
-        <p:nvSpPr>
-          <p:cNvPr id="32" name="文本框 31"/>
-          <p:cNvSpPr txBox="1"/>
-          <p:nvPr/>
-        </p:nvSpPr>
-        <p:spPr>
-          <a:xfrm>
-            <a:off x="7383780" y="1623060"/>
-            <a:ext cx="412750" cy="922020"/>
-          </a:xfrm>
-          <a:prstGeom prst="rect">
-            <a:avLst/>
-          </a:prstGeom>
-          <a:noFill/>
-        </p:spPr>
-        <p:txBody>
-          <a:bodyPr wrap="none" rtlCol="0">
-            <a:spAutoFit/>
-          </a:bodyPr>
-          <a:p>
-            <a:r>
-              <a:rPr lang="zh-CN" altLang="en-US" b="1">
-                <a:solidFill>
-                  <a:schemeClr val="bg1"/>
-                </a:solidFill>
-              </a:rPr>
-              <a:t>准</a:t>
-            </a:r>
-            <a:endParaRPr lang="zh-CN" altLang="en-US" b="1">
-              <a:solidFill>
-                <a:schemeClr val="bg1"/>
-              </a:solidFill>
-            </a:endParaRPr>
-          </a:p>
-          <a:p>
-            <a:r>
-              <a:rPr lang="zh-CN" altLang="en-US" b="1">
-                <a:solidFill>
-                  <a:schemeClr val="bg1"/>
-                </a:solidFill>
-              </a:rPr>
-              <a:t>生</a:t>
-            </a:r>
-            <a:endParaRPr lang="zh-CN" altLang="en-US" b="1">
-              <a:solidFill>
-                <a:schemeClr val="bg1"/>
-              </a:solidFill>
-            </a:endParaRPr>
-          </a:p>
-          <a:p>
-            <a:r>
-              <a:rPr lang="zh-CN" altLang="en-US" b="1">
-                <a:solidFill>
-                  <a:schemeClr val="bg1"/>
-                </a:solidFill>
-              </a:rPr>
-              <a:t>产</a:t>
-            </a:r>
-            <a:endParaRPr lang="zh-CN" altLang="en-US" b="1">
-              <a:solidFill>
-                <a:schemeClr val="bg1"/>
-              </a:solidFill>
-            </a:endParaRPr>
-          </a:p>
-        </p:txBody>
-      </p:sp>
-      <p:sp>
-        <p:nvSpPr>
-          <p:cNvPr id="33" name="燕尾形 32"/>
-          <p:cNvSpPr/>
-          <p:nvPr/>
-        </p:nvSpPr>
-        <p:spPr>
-          <a:xfrm rot="16200000">
-            <a:off x="9618345" y="1734820"/>
-            <a:ext cx="1743075" cy="421640"/>
-          </a:xfrm>
-          <a:prstGeom prst="chevron">
-            <a:avLst/>
-          </a:prstGeom>
-          <a:solidFill>
-            <a:srgbClr val="5B9BD5"/>
-          </a:solidFill>
-        </p:spPr>
-        <p:style>
-          <a:lnRef idx="2">
-            <a:schemeClr val="accent1">
-              <a:shade val="50000"/>
-            </a:schemeClr>
-          </a:lnRef>
-          <a:fillRef idx="1">
-            <a:schemeClr val="accent1"/>
-          </a:fillRef>
-          <a:effectRef idx="0">
-            <a:schemeClr val="accent1"/>
-          </a:effectRef>
-          <a:fontRef idx="minor">
-            <a:schemeClr val="lt1"/>
-          </a:fontRef>
-        </p:style>
-        <p:txBody>
-          <a:bodyPr rtlCol="0" anchor="ctr"/>
-          <a:p>
-            <a:pPr algn="ctr"/>
-            <a:endParaRPr lang="zh-CN" altLang="en-US"/>
-          </a:p>
-        </p:txBody>
-      </p:sp>
-      <p:sp>
-        <p:nvSpPr>
-          <p:cNvPr id="34" name="文本框 33"/>
-          <p:cNvSpPr txBox="1"/>
-          <p:nvPr/>
-        </p:nvSpPr>
-        <p:spPr>
-          <a:xfrm>
-            <a:off x="10279380" y="1628140"/>
-            <a:ext cx="412750" cy="645160"/>
-          </a:xfrm>
-          <a:prstGeom prst="rect">
-            <a:avLst/>
-          </a:prstGeom>
-          <a:noFill/>
-        </p:spPr>
-        <p:txBody>
-          <a:bodyPr wrap="none" rtlCol="0">
-            <a:spAutoFit/>
-          </a:bodyPr>
-          <a:p>
-            <a:r>
-              <a:rPr lang="zh-CN" altLang="en-US" b="1">
-                <a:solidFill>
-                  <a:schemeClr val="bg1"/>
-                </a:solidFill>
-              </a:rPr>
-              <a:t>维</a:t>
-            </a:r>
-            <a:endParaRPr lang="zh-CN" altLang="en-US" b="1">
-              <a:solidFill>
-                <a:schemeClr val="bg1"/>
-              </a:solidFill>
-            </a:endParaRPr>
-          </a:p>
-          <a:p>
-            <a:r>
-              <a:rPr lang="zh-CN" altLang="en-US" b="1">
-                <a:solidFill>
-                  <a:schemeClr val="bg1"/>
-                </a:solidFill>
-              </a:rPr>
-              <a:t>护</a:t>
-            </a:r>
-            <a:endParaRPr lang="zh-CN" altLang="en-US" b="1">
-              <a:solidFill>
-                <a:schemeClr val="bg1"/>
-              </a:solidFill>
-            </a:endParaRPr>
-          </a:p>
-        </p:txBody>
-      </p:sp>
-      <p:sp>
-        <p:nvSpPr>
-          <p:cNvPr id="35" name="文本框 34"/>
-          <p:cNvSpPr txBox="1"/>
-          <p:nvPr/>
-        </p:nvSpPr>
-        <p:spPr>
-          <a:xfrm>
-            <a:off x="6301105" y="4269105"/>
-            <a:ext cx="2540000" cy="645160"/>
-          </a:xfrm>
-          <a:prstGeom prst="rect">
-            <a:avLst/>
-          </a:prstGeom>
-          <a:noFill/>
-        </p:spPr>
-        <p:txBody>
-          <a:bodyPr wrap="square" rtlCol="0" anchor="t">
-            <a:spAutoFit/>
-          </a:bodyPr>
-          <a:p>
-            <a:r>
-              <a:rPr lang="zh-CN" altLang="en-US"/>
-              <a:t>1.UED验收</a:t>
-            </a:r>
-            <a:endParaRPr lang="zh-CN" altLang="en-US"/>
-          </a:p>
-          <a:p>
-            <a:r>
-              <a:rPr lang="zh-CN" altLang="en-US"/>
-              <a:t>2.产品验收</a:t>
-            </a:r>
-            <a:endParaRPr lang="zh-CN" altLang="en-US"/>
-          </a:p>
-        </p:txBody>
-      </p:sp>
-      <p:sp>
-        <p:nvSpPr>
-          <p:cNvPr id="36" name="文本框 35"/>
-          <p:cNvSpPr txBox="1"/>
-          <p:nvPr/>
-        </p:nvSpPr>
-        <p:spPr>
-          <a:xfrm>
-            <a:off x="7796530" y="1468755"/>
-            <a:ext cx="2540000" cy="922020"/>
-          </a:xfrm>
-          <a:prstGeom prst="rect">
-            <a:avLst/>
-          </a:prstGeom>
-          <a:noFill/>
-        </p:spPr>
-        <p:txBody>
-          <a:bodyPr wrap="square" rtlCol="0" anchor="t">
-            <a:spAutoFit/>
-          </a:bodyPr>
-          <a:p>
-            <a:r>
-              <a:rPr lang="zh-CN" altLang="en-US"/>
-              <a:t>1.准生产上线申请</a:t>
-            </a:r>
-            <a:endParaRPr lang="zh-CN" altLang="en-US"/>
-          </a:p>
-          <a:p>
-            <a:r>
-              <a:rPr lang="zh-CN" altLang="en-US"/>
-              <a:t>2.DBA审核SQL</a:t>
-            </a:r>
-            <a:endParaRPr lang="zh-CN" altLang="en-US"/>
-          </a:p>
-          <a:p>
-            <a:r>
-              <a:rPr lang="zh-CN" altLang="en-US"/>
-              <a:t>3.配置，部署手册</a:t>
-            </a:r>
-            <a:endParaRPr lang="zh-CN" altLang="en-US"/>
-          </a:p>
-        </p:txBody>
-      </p:sp>
-      <p:sp>
-        <p:nvSpPr>
-          <p:cNvPr id="37" name="文本框 36"/>
-          <p:cNvSpPr txBox="1"/>
-          <p:nvPr/>
-        </p:nvSpPr>
-        <p:spPr>
-          <a:xfrm>
-            <a:off x="9215755" y="4271010"/>
-            <a:ext cx="2540000" cy="645160"/>
-          </a:xfrm>
-          <a:prstGeom prst="rect">
-            <a:avLst/>
-          </a:prstGeom>
-          <a:noFill/>
-        </p:spPr>
-        <p:txBody>
-          <a:bodyPr wrap="square" rtlCol="0" anchor="t">
-            <a:spAutoFit/>
-          </a:bodyPr>
-          <a:p>
-            <a:r>
-              <a:rPr lang="zh-CN" altLang="en-US"/>
-              <a:t>1.上线申请</a:t>
-            </a:r>
-            <a:endParaRPr lang="zh-CN" altLang="en-US"/>
-          </a:p>
-          <a:p>
-            <a:r>
-              <a:rPr lang="zh-CN" altLang="en-US"/>
-              <a:t>2.实施部署</a:t>
-            </a:r>
-            <a:endParaRPr lang="zh-CN" altLang="en-US"/>
-          </a:p>
-        </p:txBody>
-      </p:sp>
-      <p:sp>
-        <p:nvSpPr>
-          <p:cNvPr id="38" name="文本框 37"/>
-          <p:cNvSpPr txBox="1"/>
-          <p:nvPr/>
-        </p:nvSpPr>
-        <p:spPr>
-          <a:xfrm>
-            <a:off x="10701020" y="1628140"/>
-            <a:ext cx="2540000" cy="645160"/>
-          </a:xfrm>
-          <a:prstGeom prst="rect">
-            <a:avLst/>
-          </a:prstGeom>
-          <a:noFill/>
-        </p:spPr>
-        <p:txBody>
-          <a:bodyPr wrap="square" rtlCol="0" anchor="t">
-            <a:spAutoFit/>
-          </a:bodyPr>
-          <a:p>
-            <a:r>
-              <a:rPr lang="zh-CN" altLang="en-US"/>
-              <a:t>1.环境维护</a:t>
-            </a:r>
-            <a:endParaRPr lang="zh-CN" altLang="en-US"/>
-          </a:p>
-          <a:p>
-            <a:r>
-              <a:rPr lang="zh-CN" altLang="en-US"/>
-              <a:t>2.需求更新</a:t>
-            </a:r>
-            <a:endParaRPr lang="zh-CN" altLang="en-US"/>
-          </a:p>
-        </p:txBody>
-      </p:sp>
     </p:spTree>
   </p:cSld>
   <p:clrMapOvr>
@@ -12250,6 +10461,1812 @@
 </file>
 
 <file path=ppt/slides/slide4.xml><?xml version="1.0" encoding="utf-8"?>
+<p:sld xmlns:a="http://schemas.openxmlformats.org/drawingml/2006/main" xmlns:r="http://schemas.openxmlformats.org/officeDocument/2006/relationships" xmlns:p="http://schemas.openxmlformats.org/presentationml/2006/main">
+  <p:cSld>
+    <p:spTree>
+      <p:nvGrpSpPr>
+        <p:cNvPr id="1" name=""/>
+        <p:cNvGrpSpPr/>
+        <p:nvPr/>
+      </p:nvGrpSpPr>
+      <p:grpSpPr/>
+      <p:sp>
+        <p:nvSpPr>
+          <p:cNvPr id="39" name="文本框 38"/>
+          <p:cNvSpPr txBox="1"/>
+          <p:nvPr/>
+        </p:nvSpPr>
+        <p:spPr>
+          <a:xfrm>
+            <a:off x="2178685" y="3079750"/>
+            <a:ext cx="7936230" cy="368300"/>
+          </a:xfrm>
+          <a:prstGeom prst="rect">
+            <a:avLst/>
+          </a:prstGeom>
+          <a:noFill/>
+        </p:spPr>
+        <p:txBody>
+          <a:bodyPr wrap="none" rtlCol="0">
+            <a:spAutoFit/>
+          </a:bodyPr>
+          <a:p>
+            <a:r>
+              <a:rPr lang="en-US" altLang="zh-CN">
+                <a:solidFill>
+                  <a:schemeClr val="bg1">
+                    <a:lumMod val="65000"/>
+                  </a:schemeClr>
+                </a:solidFill>
+              </a:rPr>
+              <a:t>---------------------------------------------------------------------------------------------------------------</a:t>
+            </a:r>
+            <a:endParaRPr lang="en-US" altLang="zh-CN">
+              <a:solidFill>
+                <a:schemeClr val="bg1">
+                  <a:lumMod val="65000"/>
+                </a:schemeClr>
+              </a:solidFill>
+            </a:endParaRPr>
+          </a:p>
+        </p:txBody>
+      </p:sp>
+      <p:sp>
+        <p:nvSpPr>
+          <p:cNvPr id="4" name="椭圆 3"/>
+          <p:cNvSpPr/>
+          <p:nvPr/>
+        </p:nvSpPr>
+        <p:spPr>
+          <a:xfrm>
+            <a:off x="1333500" y="2806700"/>
+            <a:ext cx="914400" cy="914400"/>
+          </a:xfrm>
+          <a:prstGeom prst="ellipse">
+            <a:avLst/>
+          </a:prstGeom>
+          <a:solidFill>
+            <a:srgbClr val="60C9CB"/>
+          </a:solidFill>
+        </p:spPr>
+        <p:style>
+          <a:lnRef idx="2">
+            <a:schemeClr val="accent1">
+              <a:shade val="50000"/>
+            </a:schemeClr>
+          </a:lnRef>
+          <a:fillRef idx="1">
+            <a:schemeClr val="accent1"/>
+          </a:fillRef>
+          <a:effectRef idx="0">
+            <a:schemeClr val="accent1"/>
+          </a:effectRef>
+          <a:fontRef idx="minor">
+            <a:schemeClr val="lt1"/>
+          </a:fontRef>
+        </p:style>
+        <p:txBody>
+          <a:bodyPr rtlCol="0" anchor="ctr"/>
+          <a:p>
+            <a:pPr algn="ctr"/>
+            <a:endParaRPr lang="zh-CN" altLang="en-US"/>
+          </a:p>
+        </p:txBody>
+      </p:sp>
+      <p:sp>
+        <p:nvSpPr>
+          <p:cNvPr id="5" name="椭圆 4"/>
+          <p:cNvSpPr/>
+          <p:nvPr/>
+        </p:nvSpPr>
+        <p:spPr>
+          <a:xfrm>
+            <a:off x="2794000" y="2806700"/>
+            <a:ext cx="914400" cy="914400"/>
+          </a:xfrm>
+          <a:prstGeom prst="ellipse">
+            <a:avLst/>
+          </a:prstGeom>
+          <a:solidFill>
+            <a:srgbClr val="D7DD27"/>
+          </a:solidFill>
+        </p:spPr>
+        <p:style>
+          <a:lnRef idx="2">
+            <a:schemeClr val="accent1">
+              <a:shade val="50000"/>
+            </a:schemeClr>
+          </a:lnRef>
+          <a:fillRef idx="1">
+            <a:schemeClr val="accent1"/>
+          </a:fillRef>
+          <a:effectRef idx="0">
+            <a:schemeClr val="accent1"/>
+          </a:effectRef>
+          <a:fontRef idx="minor">
+            <a:schemeClr val="lt1"/>
+          </a:fontRef>
+        </p:style>
+        <p:txBody>
+          <a:bodyPr rtlCol="0" anchor="ctr"/>
+          <a:p>
+            <a:pPr algn="ctr"/>
+            <a:endParaRPr lang="zh-CN" altLang="en-US"/>
+          </a:p>
+        </p:txBody>
+      </p:sp>
+      <p:sp>
+        <p:nvSpPr>
+          <p:cNvPr id="6" name="椭圆 5"/>
+          <p:cNvSpPr/>
+          <p:nvPr/>
+        </p:nvSpPr>
+        <p:spPr>
+          <a:xfrm>
+            <a:off x="4241800" y="2806700"/>
+            <a:ext cx="914400" cy="914400"/>
+          </a:xfrm>
+          <a:prstGeom prst="ellipse">
+            <a:avLst/>
+          </a:prstGeom>
+          <a:solidFill>
+            <a:srgbClr val="FDAD3A"/>
+          </a:solidFill>
+        </p:spPr>
+        <p:style>
+          <a:lnRef idx="2">
+            <a:schemeClr val="accent1">
+              <a:shade val="50000"/>
+            </a:schemeClr>
+          </a:lnRef>
+          <a:fillRef idx="1">
+            <a:schemeClr val="accent1"/>
+          </a:fillRef>
+          <a:effectRef idx="0">
+            <a:schemeClr val="accent1"/>
+          </a:effectRef>
+          <a:fontRef idx="minor">
+            <a:schemeClr val="lt1"/>
+          </a:fontRef>
+        </p:style>
+        <p:txBody>
+          <a:bodyPr rtlCol="0" anchor="ctr"/>
+          <a:p>
+            <a:pPr algn="ctr"/>
+            <a:endParaRPr lang="zh-CN" altLang="en-US"/>
+          </a:p>
+        </p:txBody>
+      </p:sp>
+      <p:sp>
+        <p:nvSpPr>
+          <p:cNvPr id="7" name="椭圆 6"/>
+          <p:cNvSpPr/>
+          <p:nvPr/>
+        </p:nvSpPr>
+        <p:spPr>
+          <a:xfrm>
+            <a:off x="5689600" y="2806700"/>
+            <a:ext cx="914400" cy="914400"/>
+          </a:xfrm>
+          <a:prstGeom prst="ellipse">
+            <a:avLst/>
+          </a:prstGeom>
+          <a:solidFill>
+            <a:srgbClr val="F5591F"/>
+          </a:solidFill>
+        </p:spPr>
+        <p:style>
+          <a:lnRef idx="2">
+            <a:schemeClr val="accent1">
+              <a:shade val="50000"/>
+            </a:schemeClr>
+          </a:lnRef>
+          <a:fillRef idx="1">
+            <a:schemeClr val="accent1"/>
+          </a:fillRef>
+          <a:effectRef idx="0">
+            <a:schemeClr val="accent1"/>
+          </a:effectRef>
+          <a:fontRef idx="minor">
+            <a:schemeClr val="lt1"/>
+          </a:fontRef>
+        </p:style>
+        <p:txBody>
+          <a:bodyPr rtlCol="0" anchor="ctr"/>
+          <a:p>
+            <a:pPr algn="ctr"/>
+            <a:endParaRPr lang="zh-CN" altLang="en-US"/>
+          </a:p>
+        </p:txBody>
+      </p:sp>
+      <p:sp>
+        <p:nvSpPr>
+          <p:cNvPr id="8" name="椭圆 7"/>
+          <p:cNvSpPr/>
+          <p:nvPr/>
+        </p:nvSpPr>
+        <p:spPr>
+          <a:xfrm>
+            <a:off x="7137400" y="2806700"/>
+            <a:ext cx="914400" cy="914400"/>
+          </a:xfrm>
+          <a:prstGeom prst="ellipse">
+            <a:avLst/>
+          </a:prstGeom>
+          <a:solidFill>
+            <a:srgbClr val="BB99CB"/>
+          </a:solidFill>
+        </p:spPr>
+        <p:style>
+          <a:lnRef idx="2">
+            <a:schemeClr val="accent1">
+              <a:shade val="50000"/>
+            </a:schemeClr>
+          </a:lnRef>
+          <a:fillRef idx="1">
+            <a:schemeClr val="accent1"/>
+          </a:fillRef>
+          <a:effectRef idx="0">
+            <a:schemeClr val="accent1"/>
+          </a:effectRef>
+          <a:fontRef idx="minor">
+            <a:schemeClr val="lt1"/>
+          </a:fontRef>
+        </p:style>
+        <p:txBody>
+          <a:bodyPr rtlCol="0" anchor="ctr"/>
+          <a:p>
+            <a:pPr algn="ctr"/>
+            <a:endParaRPr lang="zh-CN" altLang="en-US"/>
+          </a:p>
+        </p:txBody>
+      </p:sp>
+      <p:sp>
+        <p:nvSpPr>
+          <p:cNvPr id="9" name="椭圆 8"/>
+          <p:cNvSpPr/>
+          <p:nvPr/>
+        </p:nvSpPr>
+        <p:spPr>
+          <a:xfrm>
+            <a:off x="8597900" y="2806700"/>
+            <a:ext cx="914400" cy="914400"/>
+          </a:xfrm>
+          <a:prstGeom prst="ellipse">
+            <a:avLst/>
+          </a:prstGeom>
+          <a:solidFill>
+            <a:srgbClr val="3AB149"/>
+          </a:solidFill>
+        </p:spPr>
+        <p:style>
+          <a:lnRef idx="2">
+            <a:schemeClr val="accent1">
+              <a:shade val="50000"/>
+            </a:schemeClr>
+          </a:lnRef>
+          <a:fillRef idx="1">
+            <a:schemeClr val="accent1"/>
+          </a:fillRef>
+          <a:effectRef idx="0">
+            <a:schemeClr val="accent1"/>
+          </a:effectRef>
+          <a:fontRef idx="minor">
+            <a:schemeClr val="lt1"/>
+          </a:fontRef>
+        </p:style>
+        <p:txBody>
+          <a:bodyPr rtlCol="0" anchor="ctr"/>
+          <a:p>
+            <a:pPr algn="ctr"/>
+            <a:endParaRPr lang="zh-CN" altLang="en-US"/>
+          </a:p>
+        </p:txBody>
+      </p:sp>
+      <p:sp>
+        <p:nvSpPr>
+          <p:cNvPr id="10" name="椭圆 9"/>
+          <p:cNvSpPr/>
+          <p:nvPr/>
+        </p:nvSpPr>
+        <p:spPr>
+          <a:xfrm>
+            <a:off x="10033000" y="2806700"/>
+            <a:ext cx="914400" cy="914400"/>
+          </a:xfrm>
+          <a:prstGeom prst="ellipse">
+            <a:avLst/>
+          </a:prstGeom>
+        </p:spPr>
+        <p:style>
+          <a:lnRef idx="2">
+            <a:schemeClr val="accent1">
+              <a:shade val="50000"/>
+            </a:schemeClr>
+          </a:lnRef>
+          <a:fillRef idx="1">
+            <a:schemeClr val="accent1"/>
+          </a:fillRef>
+          <a:effectRef idx="0">
+            <a:schemeClr val="accent1"/>
+          </a:effectRef>
+          <a:fontRef idx="minor">
+            <a:schemeClr val="lt1"/>
+          </a:fontRef>
+        </p:style>
+        <p:txBody>
+          <a:bodyPr rtlCol="0" anchor="ctr"/>
+          <a:p>
+            <a:pPr algn="ctr"/>
+            <a:endParaRPr lang="zh-CN" altLang="en-US"/>
+          </a:p>
+        </p:txBody>
+      </p:sp>
+      <p:sp>
+        <p:nvSpPr>
+          <p:cNvPr id="11" name="燕尾形 10"/>
+          <p:cNvSpPr/>
+          <p:nvPr/>
+        </p:nvSpPr>
+        <p:spPr>
+          <a:xfrm rot="16200000">
+            <a:off x="887095" y="1724660"/>
+            <a:ext cx="1743075" cy="421640"/>
+          </a:xfrm>
+          <a:prstGeom prst="chevron">
+            <a:avLst/>
+          </a:prstGeom>
+          <a:solidFill>
+            <a:srgbClr val="60C9CB"/>
+          </a:solidFill>
+        </p:spPr>
+        <p:style>
+          <a:lnRef idx="2">
+            <a:schemeClr val="accent1">
+              <a:shade val="50000"/>
+            </a:schemeClr>
+          </a:lnRef>
+          <a:fillRef idx="1">
+            <a:schemeClr val="accent1"/>
+          </a:fillRef>
+          <a:effectRef idx="0">
+            <a:schemeClr val="accent1"/>
+          </a:effectRef>
+          <a:fontRef idx="minor">
+            <a:schemeClr val="lt1"/>
+          </a:fontRef>
+        </p:style>
+        <p:txBody>
+          <a:bodyPr rtlCol="0" anchor="ctr"/>
+          <a:p>
+            <a:pPr algn="ctr"/>
+            <a:endParaRPr lang="zh-CN" altLang="en-US"/>
+          </a:p>
+        </p:txBody>
+      </p:sp>
+      <p:sp>
+        <p:nvSpPr>
+          <p:cNvPr id="12" name="文本框 11"/>
+          <p:cNvSpPr txBox="1"/>
+          <p:nvPr/>
+        </p:nvSpPr>
+        <p:spPr>
+          <a:xfrm>
+            <a:off x="1366520" y="3079750"/>
+            <a:ext cx="881380" cy="368300"/>
+          </a:xfrm>
+          <a:prstGeom prst="rect">
+            <a:avLst/>
+          </a:prstGeom>
+          <a:noFill/>
+        </p:spPr>
+        <p:txBody>
+          <a:bodyPr wrap="none" rtlCol="0">
+            <a:spAutoFit/>
+          </a:bodyPr>
+          <a:p>
+            <a:pPr algn="l"/>
+            <a:r>
+              <a:rPr lang="zh-CN" altLang="en-US">
+                <a:solidFill>
+                  <a:schemeClr val="bg1"/>
+                </a:solidFill>
+                <a:latin typeface="Arial Black" panose="020B0A04020102020204" charset="0"/>
+                <a:ea typeface="黑体" panose="02010609060101010101" charset="-122"/>
+                <a:cs typeface="Arial Black" panose="020B0A04020102020204" charset="0"/>
+              </a:rPr>
+              <a:t>step1</a:t>
+            </a:r>
+            <a:endParaRPr lang="zh-CN" altLang="en-US">
+              <a:solidFill>
+                <a:schemeClr val="bg1"/>
+              </a:solidFill>
+              <a:latin typeface="Arial Black" panose="020B0A04020102020204" charset="0"/>
+              <a:ea typeface="黑体" panose="02010609060101010101" charset="-122"/>
+              <a:cs typeface="Arial Black" panose="020B0A04020102020204" charset="0"/>
+            </a:endParaRPr>
+          </a:p>
+        </p:txBody>
+      </p:sp>
+      <p:sp>
+        <p:nvSpPr>
+          <p:cNvPr id="13" name="文本框 12"/>
+          <p:cNvSpPr txBox="1"/>
+          <p:nvPr/>
+        </p:nvSpPr>
+        <p:spPr>
+          <a:xfrm>
+            <a:off x="2827020" y="3079750"/>
+            <a:ext cx="881380" cy="368300"/>
+          </a:xfrm>
+          <a:prstGeom prst="rect">
+            <a:avLst/>
+          </a:prstGeom>
+          <a:noFill/>
+        </p:spPr>
+        <p:txBody>
+          <a:bodyPr wrap="none" rtlCol="0">
+            <a:spAutoFit/>
+          </a:bodyPr>
+          <a:p>
+            <a:pPr algn="l"/>
+            <a:r>
+              <a:rPr lang="zh-CN" altLang="en-US">
+                <a:solidFill>
+                  <a:schemeClr val="bg1"/>
+                </a:solidFill>
+                <a:latin typeface="Arial Black" panose="020B0A04020102020204" charset="0"/>
+                <a:ea typeface="黑体" panose="02010609060101010101" charset="-122"/>
+                <a:cs typeface="Arial Black" panose="020B0A04020102020204" charset="0"/>
+              </a:rPr>
+              <a:t>step</a:t>
+            </a:r>
+            <a:r>
+              <a:rPr lang="en-US" altLang="zh-CN">
+                <a:solidFill>
+                  <a:schemeClr val="bg1"/>
+                </a:solidFill>
+                <a:latin typeface="Arial Black" panose="020B0A04020102020204" charset="0"/>
+                <a:ea typeface="黑体" panose="02010609060101010101" charset="-122"/>
+                <a:cs typeface="Arial Black" panose="020B0A04020102020204" charset="0"/>
+              </a:rPr>
+              <a:t>2</a:t>
+            </a:r>
+            <a:endParaRPr lang="en-US" altLang="zh-CN">
+              <a:solidFill>
+                <a:schemeClr val="bg1"/>
+              </a:solidFill>
+              <a:latin typeface="Arial Black" panose="020B0A04020102020204" charset="0"/>
+              <a:ea typeface="黑体" panose="02010609060101010101" charset="-122"/>
+              <a:cs typeface="Arial Black" panose="020B0A04020102020204" charset="0"/>
+            </a:endParaRPr>
+          </a:p>
+        </p:txBody>
+      </p:sp>
+      <p:sp>
+        <p:nvSpPr>
+          <p:cNvPr id="14" name="文本框 13"/>
+          <p:cNvSpPr txBox="1"/>
+          <p:nvPr/>
+        </p:nvSpPr>
+        <p:spPr>
+          <a:xfrm>
+            <a:off x="4274820" y="3079750"/>
+            <a:ext cx="881380" cy="368300"/>
+          </a:xfrm>
+          <a:prstGeom prst="rect">
+            <a:avLst/>
+          </a:prstGeom>
+          <a:noFill/>
+        </p:spPr>
+        <p:txBody>
+          <a:bodyPr wrap="none" rtlCol="0">
+            <a:spAutoFit/>
+          </a:bodyPr>
+          <a:p>
+            <a:pPr algn="l"/>
+            <a:r>
+              <a:rPr lang="zh-CN" altLang="en-US">
+                <a:solidFill>
+                  <a:schemeClr val="bg1"/>
+                </a:solidFill>
+                <a:latin typeface="Arial Black" panose="020B0A04020102020204" charset="0"/>
+                <a:ea typeface="黑体" panose="02010609060101010101" charset="-122"/>
+                <a:cs typeface="Arial Black" panose="020B0A04020102020204" charset="0"/>
+              </a:rPr>
+              <a:t>step</a:t>
+            </a:r>
+            <a:r>
+              <a:rPr lang="en-US" altLang="zh-CN">
+                <a:solidFill>
+                  <a:schemeClr val="bg1"/>
+                </a:solidFill>
+                <a:latin typeface="Arial Black" panose="020B0A04020102020204" charset="0"/>
+                <a:ea typeface="黑体" panose="02010609060101010101" charset="-122"/>
+                <a:cs typeface="Arial Black" panose="020B0A04020102020204" charset="0"/>
+              </a:rPr>
+              <a:t>3</a:t>
+            </a:r>
+            <a:endParaRPr lang="en-US" altLang="zh-CN">
+              <a:solidFill>
+                <a:schemeClr val="bg1"/>
+              </a:solidFill>
+              <a:latin typeface="Arial Black" panose="020B0A04020102020204" charset="0"/>
+              <a:ea typeface="黑体" panose="02010609060101010101" charset="-122"/>
+              <a:cs typeface="Arial Black" panose="020B0A04020102020204" charset="0"/>
+            </a:endParaRPr>
+          </a:p>
+        </p:txBody>
+      </p:sp>
+      <p:sp>
+        <p:nvSpPr>
+          <p:cNvPr id="15" name="文本框 14"/>
+          <p:cNvSpPr txBox="1"/>
+          <p:nvPr/>
+        </p:nvSpPr>
+        <p:spPr>
+          <a:xfrm>
+            <a:off x="5722620" y="3079750"/>
+            <a:ext cx="881380" cy="368300"/>
+          </a:xfrm>
+          <a:prstGeom prst="rect">
+            <a:avLst/>
+          </a:prstGeom>
+          <a:noFill/>
+        </p:spPr>
+        <p:txBody>
+          <a:bodyPr wrap="none" rtlCol="0">
+            <a:spAutoFit/>
+          </a:bodyPr>
+          <a:p>
+            <a:pPr algn="l"/>
+            <a:r>
+              <a:rPr lang="zh-CN" altLang="en-US">
+                <a:solidFill>
+                  <a:schemeClr val="bg1"/>
+                </a:solidFill>
+                <a:latin typeface="Arial Black" panose="020B0A04020102020204" charset="0"/>
+                <a:ea typeface="黑体" panose="02010609060101010101" charset="-122"/>
+                <a:cs typeface="Arial Black" panose="020B0A04020102020204" charset="0"/>
+              </a:rPr>
+              <a:t>step</a:t>
+            </a:r>
+            <a:r>
+              <a:rPr lang="en-US" altLang="zh-CN">
+                <a:solidFill>
+                  <a:schemeClr val="bg1"/>
+                </a:solidFill>
+                <a:latin typeface="Arial Black" panose="020B0A04020102020204" charset="0"/>
+                <a:ea typeface="黑体" panose="02010609060101010101" charset="-122"/>
+                <a:cs typeface="Arial Black" panose="020B0A04020102020204" charset="0"/>
+              </a:rPr>
+              <a:t>4</a:t>
+            </a:r>
+            <a:endParaRPr lang="en-US" altLang="zh-CN">
+              <a:solidFill>
+                <a:schemeClr val="bg1"/>
+              </a:solidFill>
+              <a:latin typeface="Arial Black" panose="020B0A04020102020204" charset="0"/>
+              <a:ea typeface="黑体" panose="02010609060101010101" charset="-122"/>
+              <a:cs typeface="Arial Black" panose="020B0A04020102020204" charset="0"/>
+            </a:endParaRPr>
+          </a:p>
+        </p:txBody>
+      </p:sp>
+      <p:sp>
+        <p:nvSpPr>
+          <p:cNvPr id="16" name="文本框 15"/>
+          <p:cNvSpPr txBox="1"/>
+          <p:nvPr/>
+        </p:nvSpPr>
+        <p:spPr>
+          <a:xfrm>
+            <a:off x="7170420" y="3079750"/>
+            <a:ext cx="881380" cy="368300"/>
+          </a:xfrm>
+          <a:prstGeom prst="rect">
+            <a:avLst/>
+          </a:prstGeom>
+          <a:noFill/>
+        </p:spPr>
+        <p:txBody>
+          <a:bodyPr wrap="none" rtlCol="0">
+            <a:spAutoFit/>
+          </a:bodyPr>
+          <a:p>
+            <a:pPr algn="l"/>
+            <a:r>
+              <a:rPr lang="zh-CN" altLang="en-US">
+                <a:solidFill>
+                  <a:schemeClr val="bg1"/>
+                </a:solidFill>
+                <a:latin typeface="Arial Black" panose="020B0A04020102020204" charset="0"/>
+                <a:ea typeface="黑体" panose="02010609060101010101" charset="-122"/>
+                <a:cs typeface="Arial Black" panose="020B0A04020102020204" charset="0"/>
+              </a:rPr>
+              <a:t>step</a:t>
+            </a:r>
+            <a:r>
+              <a:rPr lang="en-US" altLang="zh-CN">
+                <a:solidFill>
+                  <a:schemeClr val="bg1"/>
+                </a:solidFill>
+                <a:latin typeface="Arial Black" panose="020B0A04020102020204" charset="0"/>
+                <a:ea typeface="黑体" panose="02010609060101010101" charset="-122"/>
+                <a:cs typeface="Arial Black" panose="020B0A04020102020204" charset="0"/>
+              </a:rPr>
+              <a:t>5</a:t>
+            </a:r>
+            <a:endParaRPr lang="en-US" altLang="zh-CN">
+              <a:solidFill>
+                <a:schemeClr val="bg1"/>
+              </a:solidFill>
+              <a:latin typeface="Arial Black" panose="020B0A04020102020204" charset="0"/>
+              <a:ea typeface="黑体" panose="02010609060101010101" charset="-122"/>
+              <a:cs typeface="Arial Black" panose="020B0A04020102020204" charset="0"/>
+            </a:endParaRPr>
+          </a:p>
+        </p:txBody>
+      </p:sp>
+      <p:sp>
+        <p:nvSpPr>
+          <p:cNvPr id="17" name="文本框 16"/>
+          <p:cNvSpPr txBox="1"/>
+          <p:nvPr/>
+        </p:nvSpPr>
+        <p:spPr>
+          <a:xfrm>
+            <a:off x="8630920" y="3079750"/>
+            <a:ext cx="881380" cy="368300"/>
+          </a:xfrm>
+          <a:prstGeom prst="rect">
+            <a:avLst/>
+          </a:prstGeom>
+          <a:noFill/>
+        </p:spPr>
+        <p:txBody>
+          <a:bodyPr wrap="none" rtlCol="0">
+            <a:spAutoFit/>
+          </a:bodyPr>
+          <a:p>
+            <a:pPr algn="l"/>
+            <a:r>
+              <a:rPr lang="zh-CN" altLang="en-US">
+                <a:solidFill>
+                  <a:schemeClr val="bg1"/>
+                </a:solidFill>
+                <a:latin typeface="Arial Black" panose="020B0A04020102020204" charset="0"/>
+                <a:ea typeface="黑体" panose="02010609060101010101" charset="-122"/>
+                <a:cs typeface="Arial Black" panose="020B0A04020102020204" charset="0"/>
+              </a:rPr>
+              <a:t>step</a:t>
+            </a:r>
+            <a:r>
+              <a:rPr lang="en-US" altLang="zh-CN">
+                <a:solidFill>
+                  <a:schemeClr val="bg1"/>
+                </a:solidFill>
+                <a:latin typeface="Arial Black" panose="020B0A04020102020204" charset="0"/>
+                <a:ea typeface="黑体" panose="02010609060101010101" charset="-122"/>
+                <a:cs typeface="Arial Black" panose="020B0A04020102020204" charset="0"/>
+              </a:rPr>
+              <a:t>6</a:t>
+            </a:r>
+            <a:endParaRPr lang="en-US" altLang="zh-CN">
+              <a:solidFill>
+                <a:schemeClr val="bg1"/>
+              </a:solidFill>
+              <a:latin typeface="Arial Black" panose="020B0A04020102020204" charset="0"/>
+              <a:ea typeface="黑体" panose="02010609060101010101" charset="-122"/>
+              <a:cs typeface="Arial Black" panose="020B0A04020102020204" charset="0"/>
+            </a:endParaRPr>
+          </a:p>
+        </p:txBody>
+      </p:sp>
+      <p:sp>
+        <p:nvSpPr>
+          <p:cNvPr id="18" name="文本框 17"/>
+          <p:cNvSpPr txBox="1"/>
+          <p:nvPr/>
+        </p:nvSpPr>
+        <p:spPr>
+          <a:xfrm>
+            <a:off x="10066020" y="3079750"/>
+            <a:ext cx="881380" cy="368300"/>
+          </a:xfrm>
+          <a:prstGeom prst="rect">
+            <a:avLst/>
+          </a:prstGeom>
+          <a:noFill/>
+        </p:spPr>
+        <p:txBody>
+          <a:bodyPr wrap="none" rtlCol="0">
+            <a:spAutoFit/>
+          </a:bodyPr>
+          <a:p>
+            <a:pPr algn="l"/>
+            <a:r>
+              <a:rPr lang="zh-CN" altLang="en-US">
+                <a:solidFill>
+                  <a:schemeClr val="bg1"/>
+                </a:solidFill>
+                <a:latin typeface="Arial Black" panose="020B0A04020102020204" charset="0"/>
+                <a:ea typeface="黑体" panose="02010609060101010101" charset="-122"/>
+                <a:cs typeface="Arial Black" panose="020B0A04020102020204" charset="0"/>
+              </a:rPr>
+              <a:t>step</a:t>
+            </a:r>
+            <a:r>
+              <a:rPr lang="en-US" altLang="zh-CN">
+                <a:solidFill>
+                  <a:schemeClr val="bg1"/>
+                </a:solidFill>
+                <a:latin typeface="Arial Black" panose="020B0A04020102020204" charset="0"/>
+                <a:ea typeface="黑体" panose="02010609060101010101" charset="-122"/>
+                <a:cs typeface="Arial Black" panose="020B0A04020102020204" charset="0"/>
+              </a:rPr>
+              <a:t>7</a:t>
+            </a:r>
+            <a:endParaRPr lang="en-US" altLang="zh-CN">
+              <a:solidFill>
+                <a:schemeClr val="bg1"/>
+              </a:solidFill>
+              <a:latin typeface="Arial Black" panose="020B0A04020102020204" charset="0"/>
+              <a:ea typeface="黑体" panose="02010609060101010101" charset="-122"/>
+              <a:cs typeface="Arial Black" panose="020B0A04020102020204" charset="0"/>
+            </a:endParaRPr>
+          </a:p>
+        </p:txBody>
+      </p:sp>
+      <p:sp>
+        <p:nvSpPr>
+          <p:cNvPr id="19" name="文本框 18"/>
+          <p:cNvSpPr txBox="1"/>
+          <p:nvPr/>
+        </p:nvSpPr>
+        <p:spPr>
+          <a:xfrm>
+            <a:off x="1558290" y="1336675"/>
+            <a:ext cx="412750" cy="1198880"/>
+          </a:xfrm>
+          <a:prstGeom prst="rect">
+            <a:avLst/>
+          </a:prstGeom>
+          <a:noFill/>
+        </p:spPr>
+        <p:txBody>
+          <a:bodyPr wrap="none" rtlCol="0">
+            <a:spAutoFit/>
+          </a:bodyPr>
+          <a:p>
+            <a:r>
+              <a:rPr lang="zh-CN" altLang="en-US" b="1">
+                <a:solidFill>
+                  <a:schemeClr val="bg1"/>
+                </a:solidFill>
+              </a:rPr>
+              <a:t>需</a:t>
+            </a:r>
+            <a:endParaRPr lang="zh-CN" altLang="en-US" b="1">
+              <a:solidFill>
+                <a:schemeClr val="bg1"/>
+              </a:solidFill>
+            </a:endParaRPr>
+          </a:p>
+          <a:p>
+            <a:r>
+              <a:rPr lang="zh-CN" altLang="en-US" b="1">
+                <a:solidFill>
+                  <a:schemeClr val="bg1"/>
+                </a:solidFill>
+              </a:rPr>
+              <a:t>求</a:t>
+            </a:r>
+            <a:endParaRPr lang="zh-CN" altLang="en-US" b="1">
+              <a:solidFill>
+                <a:schemeClr val="bg1"/>
+              </a:solidFill>
+            </a:endParaRPr>
+          </a:p>
+          <a:p>
+            <a:r>
+              <a:rPr lang="zh-CN" altLang="en-US" b="1">
+                <a:solidFill>
+                  <a:schemeClr val="bg1"/>
+                </a:solidFill>
+              </a:rPr>
+              <a:t>分</a:t>
+            </a:r>
+            <a:endParaRPr lang="zh-CN" altLang="en-US" b="1">
+              <a:solidFill>
+                <a:schemeClr val="bg1"/>
+              </a:solidFill>
+            </a:endParaRPr>
+          </a:p>
+          <a:p>
+            <a:r>
+              <a:rPr lang="zh-CN" altLang="en-US" b="1">
+                <a:solidFill>
+                  <a:schemeClr val="bg1"/>
+                </a:solidFill>
+              </a:rPr>
+              <a:t>析</a:t>
+            </a:r>
+            <a:endParaRPr lang="zh-CN" altLang="en-US" b="1">
+              <a:solidFill>
+                <a:schemeClr val="bg1"/>
+              </a:solidFill>
+            </a:endParaRPr>
+          </a:p>
+        </p:txBody>
+      </p:sp>
+      <p:sp>
+        <p:nvSpPr>
+          <p:cNvPr id="20" name="文本框 19"/>
+          <p:cNvSpPr txBox="1"/>
+          <p:nvPr/>
+        </p:nvSpPr>
+        <p:spPr>
+          <a:xfrm>
+            <a:off x="2057400" y="1064260"/>
+            <a:ext cx="1956435" cy="1198880"/>
+          </a:xfrm>
+          <a:prstGeom prst="rect">
+            <a:avLst/>
+          </a:prstGeom>
+          <a:noFill/>
+        </p:spPr>
+        <p:txBody>
+          <a:bodyPr wrap="none" rtlCol="0">
+            <a:spAutoFit/>
+          </a:bodyPr>
+          <a:p>
+            <a:pPr algn="l"/>
+            <a:r>
+              <a:rPr lang="zh-CN" altLang="en-US"/>
+              <a:t>1.可行性分析报告</a:t>
+            </a:r>
+            <a:endParaRPr lang="zh-CN" altLang="en-US"/>
+          </a:p>
+          <a:p>
+            <a:pPr algn="l"/>
+            <a:r>
+              <a:rPr lang="zh-CN" altLang="en-US"/>
+              <a:t>2.概要设计说明说</a:t>
+            </a:r>
+            <a:endParaRPr lang="zh-CN" altLang="en-US"/>
+          </a:p>
+          <a:p>
+            <a:pPr algn="l"/>
+            <a:r>
+              <a:rPr lang="zh-CN" altLang="en-US"/>
+              <a:t>3.版本迭代计划</a:t>
+            </a:r>
+            <a:endParaRPr lang="zh-CN" altLang="en-US"/>
+          </a:p>
+          <a:p>
+            <a:pPr algn="l"/>
+            <a:r>
+              <a:rPr lang="zh-CN" altLang="en-US"/>
+              <a:t>4.版本测试策略</a:t>
+            </a:r>
+            <a:endParaRPr lang="zh-CN" altLang="en-US"/>
+          </a:p>
+        </p:txBody>
+      </p:sp>
+      <p:sp>
+        <p:nvSpPr>
+          <p:cNvPr id="21" name="燕尾形 20"/>
+          <p:cNvSpPr/>
+          <p:nvPr/>
+        </p:nvSpPr>
+        <p:spPr>
+          <a:xfrm rot="5400000">
+            <a:off x="2395855" y="4381500"/>
+            <a:ext cx="1743075" cy="421640"/>
+          </a:xfrm>
+          <a:prstGeom prst="chevron">
+            <a:avLst/>
+          </a:prstGeom>
+          <a:solidFill>
+            <a:srgbClr val="D7DD27"/>
+          </a:solidFill>
+        </p:spPr>
+        <p:style>
+          <a:lnRef idx="2">
+            <a:schemeClr val="accent1">
+              <a:shade val="50000"/>
+            </a:schemeClr>
+          </a:lnRef>
+          <a:fillRef idx="1">
+            <a:schemeClr val="accent1"/>
+          </a:fillRef>
+          <a:effectRef idx="0">
+            <a:schemeClr val="accent1"/>
+          </a:effectRef>
+          <a:fontRef idx="minor">
+            <a:schemeClr val="lt1"/>
+          </a:fontRef>
+        </p:style>
+        <p:txBody>
+          <a:bodyPr rtlCol="0" anchor="ctr"/>
+          <a:p>
+            <a:pPr algn="ctr"/>
+            <a:endParaRPr lang="zh-CN" altLang="en-US"/>
+          </a:p>
+        </p:txBody>
+      </p:sp>
+      <p:sp>
+        <p:nvSpPr>
+          <p:cNvPr id="22" name="文本框 21"/>
+          <p:cNvSpPr txBox="1"/>
+          <p:nvPr/>
+        </p:nvSpPr>
+        <p:spPr>
+          <a:xfrm>
+            <a:off x="3067050" y="3993515"/>
+            <a:ext cx="412750" cy="1198880"/>
+          </a:xfrm>
+          <a:prstGeom prst="rect">
+            <a:avLst/>
+          </a:prstGeom>
+          <a:noFill/>
+        </p:spPr>
+        <p:txBody>
+          <a:bodyPr wrap="none" rtlCol="0">
+            <a:spAutoFit/>
+          </a:bodyPr>
+          <a:p>
+            <a:r>
+              <a:rPr lang="zh-CN" altLang="en-US" b="1">
+                <a:solidFill>
+                  <a:schemeClr val="bg1"/>
+                </a:solidFill>
+              </a:rPr>
+              <a:t>需</a:t>
+            </a:r>
+            <a:endParaRPr lang="zh-CN" altLang="en-US" b="1">
+              <a:solidFill>
+                <a:schemeClr val="bg1"/>
+              </a:solidFill>
+            </a:endParaRPr>
+          </a:p>
+          <a:p>
+            <a:r>
+              <a:rPr lang="zh-CN" altLang="en-US" b="1">
+                <a:solidFill>
+                  <a:schemeClr val="bg1"/>
+                </a:solidFill>
+              </a:rPr>
+              <a:t>求</a:t>
+            </a:r>
+            <a:endParaRPr lang="zh-CN" altLang="en-US" b="1">
+              <a:solidFill>
+                <a:schemeClr val="bg1"/>
+              </a:solidFill>
+            </a:endParaRPr>
+          </a:p>
+          <a:p>
+            <a:r>
+              <a:rPr lang="zh-CN" altLang="en-US" b="1">
+                <a:solidFill>
+                  <a:schemeClr val="bg1"/>
+                </a:solidFill>
+              </a:rPr>
+              <a:t>分</a:t>
+            </a:r>
+            <a:endParaRPr lang="zh-CN" altLang="en-US" b="1">
+              <a:solidFill>
+                <a:schemeClr val="bg1"/>
+              </a:solidFill>
+            </a:endParaRPr>
+          </a:p>
+          <a:p>
+            <a:r>
+              <a:rPr lang="zh-CN" altLang="en-US" b="1">
+                <a:solidFill>
+                  <a:schemeClr val="bg1"/>
+                </a:solidFill>
+              </a:rPr>
+              <a:t>析</a:t>
+            </a:r>
+            <a:endParaRPr lang="zh-CN" altLang="en-US" b="1">
+              <a:solidFill>
+                <a:schemeClr val="bg1"/>
+              </a:solidFill>
+            </a:endParaRPr>
+          </a:p>
+        </p:txBody>
+      </p:sp>
+      <p:sp>
+        <p:nvSpPr>
+          <p:cNvPr id="23" name="文本框 22"/>
+          <p:cNvSpPr txBox="1"/>
+          <p:nvPr/>
+        </p:nvSpPr>
+        <p:spPr>
+          <a:xfrm>
+            <a:off x="2400300" y="5464175"/>
+            <a:ext cx="2755900" cy="1198880"/>
+          </a:xfrm>
+          <a:prstGeom prst="rect">
+            <a:avLst/>
+          </a:prstGeom>
+          <a:noFill/>
+        </p:spPr>
+        <p:txBody>
+          <a:bodyPr wrap="square" rtlCol="0" anchor="t">
+            <a:spAutoFit/>
+          </a:bodyPr>
+          <a:p>
+            <a:r>
+              <a:rPr lang="zh-CN" altLang="en-US"/>
+              <a:t>1.编码规范</a:t>
+            </a:r>
+            <a:endParaRPr lang="zh-CN" altLang="en-US"/>
+          </a:p>
+          <a:p>
+            <a:r>
+              <a:rPr lang="zh-CN" altLang="en-US"/>
+              <a:t>2.接口规范，返回码规范</a:t>
+            </a:r>
+            <a:endParaRPr lang="zh-CN" altLang="en-US"/>
+          </a:p>
+          <a:p>
+            <a:r>
+              <a:rPr lang="zh-CN" altLang="en-US"/>
+              <a:t>3.单元测试</a:t>
+            </a:r>
+            <a:endParaRPr lang="zh-CN" altLang="en-US"/>
+          </a:p>
+          <a:p>
+            <a:r>
+              <a:rPr lang="zh-CN" altLang="en-US"/>
+              <a:t>4.代码走查</a:t>
+            </a:r>
+            <a:endParaRPr lang="zh-CN" altLang="en-US"/>
+          </a:p>
+        </p:txBody>
+      </p:sp>
+      <p:sp>
+        <p:nvSpPr>
+          <p:cNvPr id="24" name="燕尾形 23"/>
+          <p:cNvSpPr/>
+          <p:nvPr/>
+        </p:nvSpPr>
+        <p:spPr>
+          <a:xfrm rot="16200000">
+            <a:off x="3821430" y="1724660"/>
+            <a:ext cx="1743075" cy="421640"/>
+          </a:xfrm>
+          <a:prstGeom prst="chevron">
+            <a:avLst/>
+          </a:prstGeom>
+          <a:solidFill>
+            <a:srgbClr val="FDAD3A"/>
+          </a:solidFill>
+        </p:spPr>
+        <p:style>
+          <a:lnRef idx="2">
+            <a:schemeClr val="accent1">
+              <a:shade val="50000"/>
+            </a:schemeClr>
+          </a:lnRef>
+          <a:fillRef idx="1">
+            <a:schemeClr val="accent1"/>
+          </a:fillRef>
+          <a:effectRef idx="0">
+            <a:schemeClr val="accent1"/>
+          </a:effectRef>
+          <a:fontRef idx="minor">
+            <a:schemeClr val="lt1"/>
+          </a:fontRef>
+        </p:style>
+        <p:txBody>
+          <a:bodyPr rtlCol="0" anchor="ctr"/>
+          <a:p>
+            <a:pPr algn="ctr"/>
+            <a:endParaRPr lang="zh-CN" altLang="en-US"/>
+          </a:p>
+        </p:txBody>
+      </p:sp>
+      <p:sp>
+        <p:nvSpPr>
+          <p:cNvPr id="25" name="文本框 24"/>
+          <p:cNvSpPr txBox="1"/>
+          <p:nvPr/>
+        </p:nvSpPr>
+        <p:spPr>
+          <a:xfrm>
+            <a:off x="4482465" y="1617980"/>
+            <a:ext cx="412750" cy="645160"/>
+          </a:xfrm>
+          <a:prstGeom prst="rect">
+            <a:avLst/>
+          </a:prstGeom>
+          <a:noFill/>
+        </p:spPr>
+        <p:txBody>
+          <a:bodyPr wrap="none" rtlCol="0">
+            <a:spAutoFit/>
+          </a:bodyPr>
+          <a:p>
+            <a:r>
+              <a:rPr lang="zh-CN" altLang="en-US" b="1">
+                <a:solidFill>
+                  <a:schemeClr val="bg1"/>
+                </a:solidFill>
+              </a:rPr>
+              <a:t>测</a:t>
+            </a:r>
+            <a:endParaRPr lang="zh-CN" altLang="en-US" b="1">
+              <a:solidFill>
+                <a:schemeClr val="bg1"/>
+              </a:solidFill>
+            </a:endParaRPr>
+          </a:p>
+          <a:p>
+            <a:r>
+              <a:rPr lang="zh-CN" altLang="en-US" b="1">
+                <a:solidFill>
+                  <a:schemeClr val="bg1"/>
+                </a:solidFill>
+              </a:rPr>
+              <a:t>试</a:t>
+            </a:r>
+            <a:endParaRPr lang="zh-CN" altLang="en-US" b="1">
+              <a:solidFill>
+                <a:schemeClr val="bg1"/>
+              </a:solidFill>
+            </a:endParaRPr>
+          </a:p>
+        </p:txBody>
+      </p:sp>
+      <p:sp>
+        <p:nvSpPr>
+          <p:cNvPr id="26" name="文本框 25"/>
+          <p:cNvSpPr txBox="1"/>
+          <p:nvPr/>
+        </p:nvSpPr>
+        <p:spPr>
+          <a:xfrm>
+            <a:off x="4904105" y="1053465"/>
+            <a:ext cx="2540000" cy="1753235"/>
+          </a:xfrm>
+          <a:prstGeom prst="rect">
+            <a:avLst/>
+          </a:prstGeom>
+          <a:noFill/>
+        </p:spPr>
+        <p:txBody>
+          <a:bodyPr wrap="square" rtlCol="0" anchor="t">
+            <a:spAutoFit/>
+          </a:bodyPr>
+          <a:p>
+            <a:r>
+              <a:rPr lang="zh-CN" altLang="en-US"/>
+              <a:t>1.版本控制</a:t>
+            </a:r>
+            <a:endParaRPr lang="zh-CN" altLang="en-US"/>
+          </a:p>
+          <a:p>
+            <a:r>
+              <a:rPr lang="zh-CN" altLang="en-US"/>
+              <a:t>2.提测规范</a:t>
+            </a:r>
+            <a:endParaRPr lang="zh-CN" altLang="en-US"/>
+          </a:p>
+          <a:p>
+            <a:r>
+              <a:rPr lang="zh-CN" altLang="en-US"/>
+              <a:t>3.测试用例</a:t>
+            </a:r>
+            <a:endParaRPr lang="zh-CN" altLang="en-US"/>
+          </a:p>
+          <a:p>
+            <a:r>
+              <a:rPr lang="zh-CN" altLang="en-US"/>
+              <a:t>4.测试环境</a:t>
+            </a:r>
+            <a:endParaRPr lang="zh-CN" altLang="en-US"/>
+          </a:p>
+          <a:p>
+            <a:r>
+              <a:rPr lang="zh-CN" altLang="en-US"/>
+              <a:t>5.接口测试</a:t>
+            </a:r>
+            <a:endParaRPr lang="zh-CN" altLang="en-US"/>
+          </a:p>
+          <a:p>
+            <a:r>
+              <a:rPr lang="zh-CN" altLang="en-US"/>
+              <a:t>6.系统测试</a:t>
+            </a:r>
+            <a:endParaRPr lang="zh-CN" altLang="en-US"/>
+          </a:p>
+        </p:txBody>
+      </p:sp>
+      <p:sp>
+        <p:nvSpPr>
+          <p:cNvPr id="27" name="燕尾形 26"/>
+          <p:cNvSpPr/>
+          <p:nvPr/>
+        </p:nvSpPr>
+        <p:spPr>
+          <a:xfrm rot="5400000">
+            <a:off x="5218430" y="4380865"/>
+            <a:ext cx="1743075" cy="421640"/>
+          </a:xfrm>
+          <a:prstGeom prst="chevron">
+            <a:avLst/>
+          </a:prstGeom>
+          <a:solidFill>
+            <a:srgbClr val="F5591F"/>
+          </a:solidFill>
+        </p:spPr>
+        <p:style>
+          <a:lnRef idx="2">
+            <a:schemeClr val="accent1">
+              <a:shade val="50000"/>
+            </a:schemeClr>
+          </a:lnRef>
+          <a:fillRef idx="1">
+            <a:schemeClr val="accent1"/>
+          </a:fillRef>
+          <a:effectRef idx="0">
+            <a:schemeClr val="accent1"/>
+          </a:effectRef>
+          <a:fontRef idx="minor">
+            <a:schemeClr val="lt1"/>
+          </a:fontRef>
+        </p:style>
+        <p:txBody>
+          <a:bodyPr rtlCol="0" anchor="ctr"/>
+          <a:p>
+            <a:pPr algn="ctr"/>
+            <a:endParaRPr lang="zh-CN" altLang="en-US"/>
+          </a:p>
+        </p:txBody>
+      </p:sp>
+      <p:sp>
+        <p:nvSpPr>
+          <p:cNvPr id="28" name="文本框 27"/>
+          <p:cNvSpPr txBox="1"/>
+          <p:nvPr/>
+        </p:nvSpPr>
+        <p:spPr>
+          <a:xfrm>
+            <a:off x="5879465" y="4271010"/>
+            <a:ext cx="412750" cy="645160"/>
+          </a:xfrm>
+          <a:prstGeom prst="rect">
+            <a:avLst/>
+          </a:prstGeom>
+          <a:noFill/>
+        </p:spPr>
+        <p:txBody>
+          <a:bodyPr wrap="none" rtlCol="0">
+            <a:spAutoFit/>
+          </a:bodyPr>
+          <a:p>
+            <a:r>
+              <a:rPr lang="zh-CN" altLang="en-US" b="1">
+                <a:solidFill>
+                  <a:schemeClr val="bg1"/>
+                </a:solidFill>
+              </a:rPr>
+              <a:t>验</a:t>
+            </a:r>
+            <a:endParaRPr lang="zh-CN" altLang="en-US" b="1">
+              <a:solidFill>
+                <a:schemeClr val="bg1"/>
+              </a:solidFill>
+            </a:endParaRPr>
+          </a:p>
+          <a:p>
+            <a:r>
+              <a:rPr lang="zh-CN" altLang="en-US" b="1">
+                <a:solidFill>
+                  <a:schemeClr val="bg1"/>
+                </a:solidFill>
+              </a:rPr>
+              <a:t>收</a:t>
+            </a:r>
+            <a:endParaRPr lang="zh-CN" altLang="en-US" b="1">
+              <a:solidFill>
+                <a:schemeClr val="bg1"/>
+              </a:solidFill>
+            </a:endParaRPr>
+          </a:p>
+        </p:txBody>
+      </p:sp>
+      <p:sp>
+        <p:nvSpPr>
+          <p:cNvPr id="29" name="燕尾形 28"/>
+          <p:cNvSpPr/>
+          <p:nvPr/>
+        </p:nvSpPr>
+        <p:spPr>
+          <a:xfrm rot="5400000">
+            <a:off x="8199755" y="4382135"/>
+            <a:ext cx="1743075" cy="421640"/>
+          </a:xfrm>
+          <a:prstGeom prst="chevron">
+            <a:avLst/>
+          </a:prstGeom>
+          <a:solidFill>
+            <a:srgbClr val="3AB149"/>
+          </a:solidFill>
+        </p:spPr>
+        <p:style>
+          <a:lnRef idx="2">
+            <a:schemeClr val="accent1">
+              <a:shade val="50000"/>
+            </a:schemeClr>
+          </a:lnRef>
+          <a:fillRef idx="1">
+            <a:schemeClr val="accent1"/>
+          </a:fillRef>
+          <a:effectRef idx="0">
+            <a:schemeClr val="accent1"/>
+          </a:effectRef>
+          <a:fontRef idx="minor">
+            <a:schemeClr val="lt1"/>
+          </a:fontRef>
+        </p:style>
+        <p:txBody>
+          <a:bodyPr rtlCol="0" anchor="ctr"/>
+          <a:p>
+            <a:pPr algn="ctr"/>
+            <a:endParaRPr lang="zh-CN" altLang="en-US"/>
+          </a:p>
+        </p:txBody>
+      </p:sp>
+      <p:sp>
+        <p:nvSpPr>
+          <p:cNvPr id="30" name="文本框 29"/>
+          <p:cNvSpPr txBox="1"/>
+          <p:nvPr/>
+        </p:nvSpPr>
+        <p:spPr>
+          <a:xfrm>
+            <a:off x="8870950" y="3994150"/>
+            <a:ext cx="412750" cy="1198880"/>
+          </a:xfrm>
+          <a:prstGeom prst="rect">
+            <a:avLst/>
+          </a:prstGeom>
+          <a:noFill/>
+        </p:spPr>
+        <p:txBody>
+          <a:bodyPr wrap="none" rtlCol="0">
+            <a:spAutoFit/>
+          </a:bodyPr>
+          <a:p>
+            <a:r>
+              <a:rPr lang="zh-CN" altLang="en-US" b="1">
+                <a:solidFill>
+                  <a:schemeClr val="bg1"/>
+                </a:solidFill>
+              </a:rPr>
+              <a:t>正</a:t>
+            </a:r>
+            <a:endParaRPr lang="zh-CN" altLang="en-US" b="1">
+              <a:solidFill>
+                <a:schemeClr val="bg1"/>
+              </a:solidFill>
+            </a:endParaRPr>
+          </a:p>
+          <a:p>
+            <a:r>
+              <a:rPr lang="zh-CN" altLang="en-US" b="1">
+                <a:solidFill>
+                  <a:schemeClr val="bg1"/>
+                </a:solidFill>
+              </a:rPr>
+              <a:t>式</a:t>
+            </a:r>
+            <a:endParaRPr lang="zh-CN" altLang="en-US" b="1">
+              <a:solidFill>
+                <a:schemeClr val="bg1"/>
+              </a:solidFill>
+            </a:endParaRPr>
+          </a:p>
+          <a:p>
+            <a:r>
+              <a:rPr lang="zh-CN" altLang="en-US" b="1">
+                <a:solidFill>
+                  <a:schemeClr val="bg1"/>
+                </a:solidFill>
+              </a:rPr>
+              <a:t>运</a:t>
+            </a:r>
+            <a:endParaRPr lang="zh-CN" altLang="en-US" b="1">
+              <a:solidFill>
+                <a:schemeClr val="bg1"/>
+              </a:solidFill>
+            </a:endParaRPr>
+          </a:p>
+          <a:p>
+            <a:r>
+              <a:rPr lang="zh-CN" altLang="en-US" b="1">
+                <a:solidFill>
+                  <a:schemeClr val="bg1"/>
+                </a:solidFill>
+              </a:rPr>
+              <a:t>行</a:t>
+            </a:r>
+            <a:endParaRPr lang="zh-CN" altLang="en-US" b="1">
+              <a:solidFill>
+                <a:schemeClr val="bg1"/>
+              </a:solidFill>
+            </a:endParaRPr>
+          </a:p>
+        </p:txBody>
+      </p:sp>
+      <p:sp>
+        <p:nvSpPr>
+          <p:cNvPr id="31" name="燕尾形 30"/>
+          <p:cNvSpPr/>
+          <p:nvPr/>
+        </p:nvSpPr>
+        <p:spPr>
+          <a:xfrm rot="16200000">
+            <a:off x="6722745" y="1729740"/>
+            <a:ext cx="1743075" cy="421640"/>
+          </a:xfrm>
+          <a:prstGeom prst="chevron">
+            <a:avLst/>
+          </a:prstGeom>
+          <a:solidFill>
+            <a:srgbClr val="BB99CB"/>
+          </a:solidFill>
+        </p:spPr>
+        <p:style>
+          <a:lnRef idx="2">
+            <a:schemeClr val="accent1">
+              <a:shade val="50000"/>
+            </a:schemeClr>
+          </a:lnRef>
+          <a:fillRef idx="1">
+            <a:schemeClr val="accent1"/>
+          </a:fillRef>
+          <a:effectRef idx="0">
+            <a:schemeClr val="accent1"/>
+          </a:effectRef>
+          <a:fontRef idx="minor">
+            <a:schemeClr val="lt1"/>
+          </a:fontRef>
+        </p:style>
+        <p:txBody>
+          <a:bodyPr rtlCol="0" anchor="ctr"/>
+          <a:p>
+            <a:pPr algn="ctr"/>
+            <a:endParaRPr lang="zh-CN" altLang="en-US"/>
+          </a:p>
+        </p:txBody>
+      </p:sp>
+      <p:sp>
+        <p:nvSpPr>
+          <p:cNvPr id="32" name="文本框 31"/>
+          <p:cNvSpPr txBox="1"/>
+          <p:nvPr/>
+        </p:nvSpPr>
+        <p:spPr>
+          <a:xfrm>
+            <a:off x="7383780" y="1623060"/>
+            <a:ext cx="412750" cy="922020"/>
+          </a:xfrm>
+          <a:prstGeom prst="rect">
+            <a:avLst/>
+          </a:prstGeom>
+          <a:noFill/>
+        </p:spPr>
+        <p:txBody>
+          <a:bodyPr wrap="none" rtlCol="0">
+            <a:spAutoFit/>
+          </a:bodyPr>
+          <a:p>
+            <a:r>
+              <a:rPr lang="zh-CN" altLang="en-US" b="1">
+                <a:solidFill>
+                  <a:schemeClr val="bg1"/>
+                </a:solidFill>
+              </a:rPr>
+              <a:t>准</a:t>
+            </a:r>
+            <a:endParaRPr lang="zh-CN" altLang="en-US" b="1">
+              <a:solidFill>
+                <a:schemeClr val="bg1"/>
+              </a:solidFill>
+            </a:endParaRPr>
+          </a:p>
+          <a:p>
+            <a:r>
+              <a:rPr lang="zh-CN" altLang="en-US" b="1">
+                <a:solidFill>
+                  <a:schemeClr val="bg1"/>
+                </a:solidFill>
+              </a:rPr>
+              <a:t>生</a:t>
+            </a:r>
+            <a:endParaRPr lang="zh-CN" altLang="en-US" b="1">
+              <a:solidFill>
+                <a:schemeClr val="bg1"/>
+              </a:solidFill>
+            </a:endParaRPr>
+          </a:p>
+          <a:p>
+            <a:r>
+              <a:rPr lang="zh-CN" altLang="en-US" b="1">
+                <a:solidFill>
+                  <a:schemeClr val="bg1"/>
+                </a:solidFill>
+              </a:rPr>
+              <a:t>产</a:t>
+            </a:r>
+            <a:endParaRPr lang="zh-CN" altLang="en-US" b="1">
+              <a:solidFill>
+                <a:schemeClr val="bg1"/>
+              </a:solidFill>
+            </a:endParaRPr>
+          </a:p>
+        </p:txBody>
+      </p:sp>
+      <p:sp>
+        <p:nvSpPr>
+          <p:cNvPr id="33" name="燕尾形 32"/>
+          <p:cNvSpPr/>
+          <p:nvPr/>
+        </p:nvSpPr>
+        <p:spPr>
+          <a:xfrm rot="16200000">
+            <a:off x="9618345" y="1734820"/>
+            <a:ext cx="1743075" cy="421640"/>
+          </a:xfrm>
+          <a:prstGeom prst="chevron">
+            <a:avLst/>
+          </a:prstGeom>
+          <a:solidFill>
+            <a:srgbClr val="5B9BD5"/>
+          </a:solidFill>
+        </p:spPr>
+        <p:style>
+          <a:lnRef idx="2">
+            <a:schemeClr val="accent1">
+              <a:shade val="50000"/>
+            </a:schemeClr>
+          </a:lnRef>
+          <a:fillRef idx="1">
+            <a:schemeClr val="accent1"/>
+          </a:fillRef>
+          <a:effectRef idx="0">
+            <a:schemeClr val="accent1"/>
+          </a:effectRef>
+          <a:fontRef idx="minor">
+            <a:schemeClr val="lt1"/>
+          </a:fontRef>
+        </p:style>
+        <p:txBody>
+          <a:bodyPr rtlCol="0" anchor="ctr"/>
+          <a:p>
+            <a:pPr algn="ctr"/>
+            <a:endParaRPr lang="zh-CN" altLang="en-US"/>
+          </a:p>
+        </p:txBody>
+      </p:sp>
+      <p:sp>
+        <p:nvSpPr>
+          <p:cNvPr id="34" name="文本框 33"/>
+          <p:cNvSpPr txBox="1"/>
+          <p:nvPr/>
+        </p:nvSpPr>
+        <p:spPr>
+          <a:xfrm>
+            <a:off x="10279380" y="1628140"/>
+            <a:ext cx="412750" cy="645160"/>
+          </a:xfrm>
+          <a:prstGeom prst="rect">
+            <a:avLst/>
+          </a:prstGeom>
+          <a:noFill/>
+        </p:spPr>
+        <p:txBody>
+          <a:bodyPr wrap="none" rtlCol="0">
+            <a:spAutoFit/>
+          </a:bodyPr>
+          <a:p>
+            <a:r>
+              <a:rPr lang="zh-CN" altLang="en-US" b="1">
+                <a:solidFill>
+                  <a:schemeClr val="bg1"/>
+                </a:solidFill>
+              </a:rPr>
+              <a:t>维</a:t>
+            </a:r>
+            <a:endParaRPr lang="zh-CN" altLang="en-US" b="1">
+              <a:solidFill>
+                <a:schemeClr val="bg1"/>
+              </a:solidFill>
+            </a:endParaRPr>
+          </a:p>
+          <a:p>
+            <a:r>
+              <a:rPr lang="zh-CN" altLang="en-US" b="1">
+                <a:solidFill>
+                  <a:schemeClr val="bg1"/>
+                </a:solidFill>
+              </a:rPr>
+              <a:t>护</a:t>
+            </a:r>
+            <a:endParaRPr lang="zh-CN" altLang="en-US" b="1">
+              <a:solidFill>
+                <a:schemeClr val="bg1"/>
+              </a:solidFill>
+            </a:endParaRPr>
+          </a:p>
+        </p:txBody>
+      </p:sp>
+      <p:sp>
+        <p:nvSpPr>
+          <p:cNvPr id="35" name="文本框 34"/>
+          <p:cNvSpPr txBox="1"/>
+          <p:nvPr/>
+        </p:nvSpPr>
+        <p:spPr>
+          <a:xfrm>
+            <a:off x="6301105" y="4269105"/>
+            <a:ext cx="2540000" cy="645160"/>
+          </a:xfrm>
+          <a:prstGeom prst="rect">
+            <a:avLst/>
+          </a:prstGeom>
+          <a:noFill/>
+        </p:spPr>
+        <p:txBody>
+          <a:bodyPr wrap="square" rtlCol="0" anchor="t">
+            <a:spAutoFit/>
+          </a:bodyPr>
+          <a:p>
+            <a:r>
+              <a:rPr lang="zh-CN" altLang="en-US"/>
+              <a:t>1.UED验收</a:t>
+            </a:r>
+            <a:endParaRPr lang="zh-CN" altLang="en-US"/>
+          </a:p>
+          <a:p>
+            <a:r>
+              <a:rPr lang="zh-CN" altLang="en-US"/>
+              <a:t>2.产品验收</a:t>
+            </a:r>
+            <a:endParaRPr lang="zh-CN" altLang="en-US"/>
+          </a:p>
+        </p:txBody>
+      </p:sp>
+      <p:sp>
+        <p:nvSpPr>
+          <p:cNvPr id="36" name="文本框 35"/>
+          <p:cNvSpPr txBox="1"/>
+          <p:nvPr/>
+        </p:nvSpPr>
+        <p:spPr>
+          <a:xfrm>
+            <a:off x="7796530" y="1468755"/>
+            <a:ext cx="2540000" cy="922020"/>
+          </a:xfrm>
+          <a:prstGeom prst="rect">
+            <a:avLst/>
+          </a:prstGeom>
+          <a:noFill/>
+        </p:spPr>
+        <p:txBody>
+          <a:bodyPr wrap="square" rtlCol="0" anchor="t">
+            <a:spAutoFit/>
+          </a:bodyPr>
+          <a:p>
+            <a:r>
+              <a:rPr lang="zh-CN" altLang="en-US"/>
+              <a:t>1.准生产上线申请</a:t>
+            </a:r>
+            <a:endParaRPr lang="zh-CN" altLang="en-US"/>
+          </a:p>
+          <a:p>
+            <a:r>
+              <a:rPr lang="zh-CN" altLang="en-US"/>
+              <a:t>2.DBA审核SQL</a:t>
+            </a:r>
+            <a:endParaRPr lang="zh-CN" altLang="en-US"/>
+          </a:p>
+          <a:p>
+            <a:r>
+              <a:rPr lang="zh-CN" altLang="en-US"/>
+              <a:t>3.配置，部署手册</a:t>
+            </a:r>
+            <a:endParaRPr lang="zh-CN" altLang="en-US"/>
+          </a:p>
+        </p:txBody>
+      </p:sp>
+      <p:sp>
+        <p:nvSpPr>
+          <p:cNvPr id="37" name="文本框 36"/>
+          <p:cNvSpPr txBox="1"/>
+          <p:nvPr/>
+        </p:nvSpPr>
+        <p:spPr>
+          <a:xfrm>
+            <a:off x="9215755" y="4271010"/>
+            <a:ext cx="2540000" cy="645160"/>
+          </a:xfrm>
+          <a:prstGeom prst="rect">
+            <a:avLst/>
+          </a:prstGeom>
+          <a:noFill/>
+        </p:spPr>
+        <p:txBody>
+          <a:bodyPr wrap="square" rtlCol="0" anchor="t">
+            <a:spAutoFit/>
+          </a:bodyPr>
+          <a:p>
+            <a:r>
+              <a:rPr lang="zh-CN" altLang="en-US"/>
+              <a:t>1.上线申请</a:t>
+            </a:r>
+            <a:endParaRPr lang="zh-CN" altLang="en-US"/>
+          </a:p>
+          <a:p>
+            <a:r>
+              <a:rPr lang="zh-CN" altLang="en-US"/>
+              <a:t>2.实施部署</a:t>
+            </a:r>
+            <a:endParaRPr lang="zh-CN" altLang="en-US"/>
+          </a:p>
+        </p:txBody>
+      </p:sp>
+      <p:sp>
+        <p:nvSpPr>
+          <p:cNvPr id="38" name="文本框 37"/>
+          <p:cNvSpPr txBox="1"/>
+          <p:nvPr/>
+        </p:nvSpPr>
+        <p:spPr>
+          <a:xfrm>
+            <a:off x="10701020" y="1628140"/>
+            <a:ext cx="2540000" cy="645160"/>
+          </a:xfrm>
+          <a:prstGeom prst="rect">
+            <a:avLst/>
+          </a:prstGeom>
+          <a:noFill/>
+        </p:spPr>
+        <p:txBody>
+          <a:bodyPr wrap="square" rtlCol="0" anchor="t">
+            <a:spAutoFit/>
+          </a:bodyPr>
+          <a:p>
+            <a:r>
+              <a:rPr lang="zh-CN" altLang="en-US"/>
+              <a:t>1.环境维护</a:t>
+            </a:r>
+            <a:endParaRPr lang="zh-CN" altLang="en-US"/>
+          </a:p>
+          <a:p>
+            <a:r>
+              <a:rPr lang="zh-CN" altLang="en-US"/>
+              <a:t>2.需求更新</a:t>
+            </a:r>
+            <a:endParaRPr lang="zh-CN" altLang="en-US"/>
+          </a:p>
+        </p:txBody>
+      </p:sp>
+    </p:spTree>
+  </p:cSld>
+  <p:clrMapOvr>
+    <a:masterClrMapping/>
+  </p:clrMapOvr>
+</p:sld>
+</file>
+
+<file path=ppt/slides/slide5.xml><?xml version="1.0" encoding="utf-8"?>
 <p:sld xmlns:a="http://schemas.openxmlformats.org/drawingml/2006/main" xmlns:r="http://schemas.openxmlformats.org/officeDocument/2006/relationships" xmlns:p="http://schemas.openxmlformats.org/presentationml/2006/main">
   <p:cSld>
     <p:spTree>
